--- a/poster.pptx
+++ b/poster.pptx
@@ -104,6 +104,11 @@
       </a:defRPr>
     </a:lvl9pPr>
   </p:defaultTextStyle>
+  <p:extLst>
+    <p:ext uri="{EFAFB233-063F-42B5-8137-9DF3F51BA10A}">
+      <p15:sldGuideLst xmlns:p15="http://schemas.microsoft.com/office/powerpoint/2012/main"/>
+    </p:ext>
+  </p:extLst>
 </p:presentation>
 </file>
 
@@ -238,7 +243,7 @@
           <a:p>
             <a:fld id="{A30F3CC1-340D-D04D-B54B-4F427A71BCC2}" type="datetimeFigureOut">
               <a:rPr lang="en-US" smtClean="0"/>
-              <a:t>7/16/24</a:t>
+              <a:t>7/16/2024</a:t>
             </a:fld>
             <a:endParaRPr lang="en-US"/>
           </a:p>
@@ -408,7 +413,7 @@
           <a:p>
             <a:fld id="{A30F3CC1-340D-D04D-B54B-4F427A71BCC2}" type="datetimeFigureOut">
               <a:rPr lang="en-US" smtClean="0"/>
-              <a:t>7/16/24</a:t>
+              <a:t>7/16/2024</a:t>
             </a:fld>
             <a:endParaRPr lang="en-US"/>
           </a:p>
@@ -588,7 +593,7 @@
           <a:p>
             <a:fld id="{A30F3CC1-340D-D04D-B54B-4F427A71BCC2}" type="datetimeFigureOut">
               <a:rPr lang="en-US" smtClean="0"/>
-              <a:t>7/16/24</a:t>
+              <a:t>7/16/2024</a:t>
             </a:fld>
             <a:endParaRPr lang="en-US"/>
           </a:p>
@@ -758,7 +763,7 @@
           <a:p>
             <a:fld id="{A30F3CC1-340D-D04D-B54B-4F427A71BCC2}" type="datetimeFigureOut">
               <a:rPr lang="en-US" smtClean="0"/>
-              <a:t>7/16/24</a:t>
+              <a:t>7/16/2024</a:t>
             </a:fld>
             <a:endParaRPr lang="en-US"/>
           </a:p>
@@ -1002,7 +1007,7 @@
           <a:p>
             <a:fld id="{A30F3CC1-340D-D04D-B54B-4F427A71BCC2}" type="datetimeFigureOut">
               <a:rPr lang="en-US" smtClean="0"/>
-              <a:t>7/16/24</a:t>
+              <a:t>7/16/2024</a:t>
             </a:fld>
             <a:endParaRPr lang="en-US"/>
           </a:p>
@@ -1234,7 +1239,7 @@
           <a:p>
             <a:fld id="{A30F3CC1-340D-D04D-B54B-4F427A71BCC2}" type="datetimeFigureOut">
               <a:rPr lang="en-US" smtClean="0"/>
-              <a:t>7/16/24</a:t>
+              <a:t>7/16/2024</a:t>
             </a:fld>
             <a:endParaRPr lang="en-US"/>
           </a:p>
@@ -1601,7 +1606,7 @@
           <a:p>
             <a:fld id="{A30F3CC1-340D-D04D-B54B-4F427A71BCC2}" type="datetimeFigureOut">
               <a:rPr lang="en-US" smtClean="0"/>
-              <a:t>7/16/24</a:t>
+              <a:t>7/16/2024</a:t>
             </a:fld>
             <a:endParaRPr lang="en-US"/>
           </a:p>
@@ -1719,7 +1724,7 @@
           <a:p>
             <a:fld id="{A30F3CC1-340D-D04D-B54B-4F427A71BCC2}" type="datetimeFigureOut">
               <a:rPr lang="en-US" smtClean="0"/>
-              <a:t>7/16/24</a:t>
+              <a:t>7/16/2024</a:t>
             </a:fld>
             <a:endParaRPr lang="en-US"/>
           </a:p>
@@ -1814,7 +1819,7 @@
           <a:p>
             <a:fld id="{A30F3CC1-340D-D04D-B54B-4F427A71BCC2}" type="datetimeFigureOut">
               <a:rPr lang="en-US" smtClean="0"/>
-              <a:t>7/16/24</a:t>
+              <a:t>7/16/2024</a:t>
             </a:fld>
             <a:endParaRPr lang="en-US"/>
           </a:p>
@@ -2091,7 +2096,7 @@
           <a:p>
             <a:fld id="{A30F3CC1-340D-D04D-B54B-4F427A71BCC2}" type="datetimeFigureOut">
               <a:rPr lang="en-US" smtClean="0"/>
-              <a:t>7/16/24</a:t>
+              <a:t>7/16/2024</a:t>
             </a:fld>
             <a:endParaRPr lang="en-US"/>
           </a:p>
@@ -2348,7 +2353,7 @@
           <a:p>
             <a:fld id="{A30F3CC1-340D-D04D-B54B-4F427A71BCC2}" type="datetimeFigureOut">
               <a:rPr lang="en-US" smtClean="0"/>
-              <a:t>7/16/24</a:t>
+              <a:t>7/16/2024</a:t>
             </a:fld>
             <a:endParaRPr lang="en-US"/>
           </a:p>
@@ -2561,7 +2566,7 @@
           <a:p>
             <a:fld id="{A30F3CC1-340D-D04D-B54B-4F427A71BCC2}" type="datetimeFigureOut">
               <a:rPr lang="en-US" smtClean="0"/>
-              <a:t>7/16/24</a:t>
+              <a:t>7/16/2024</a:t>
             </a:fld>
             <a:endParaRPr lang="en-US"/>
           </a:p>
@@ -3039,45 +3044,217 @@
           </a:p>
         </p:txBody>
       </p:sp>
-      <p:sp>
-        <p:nvSpPr>
-          <p:cNvPr id="4" name="TextBox 3">
-            <a:extLst>
-              <a:ext uri="{FF2B5EF4-FFF2-40B4-BE49-F238E27FC236}">
-                <a16:creationId xmlns:a16="http://schemas.microsoft.com/office/drawing/2014/main" id="{EF96BBC2-F31E-D04A-A5C4-ABC67D6544B7}"/>
-              </a:ext>
-            </a:extLst>
-          </p:cNvPr>
-          <p:cNvSpPr txBox="1"/>
-          <p:nvPr/>
-        </p:nvSpPr>
-        <p:spPr>
-          <a:xfrm>
-            <a:off x="1828800" y="5325035"/>
-            <a:ext cx="12425082" cy="369332"/>
-          </a:xfrm>
-          <a:prstGeom prst="rect">
-            <a:avLst/>
-          </a:prstGeom>
-          <a:noFill/>
-        </p:spPr>
-        <p:txBody>
-          <a:bodyPr wrap="square" rtlCol="0">
-            <a:spAutoFit/>
-          </a:bodyPr>
-          <a:lstStyle/>
-          <a:p>
-            <a:r>
-              <a:rPr lang="en-US" dirty="0"/>
-              <a:t>Forsterite is a very important mineral to study because of its role </a:t>
-            </a:r>
-            <a:r>
-              <a:rPr lang="en-US"/>
-              <a:t>both in rocky planet</a:t>
-            </a:r>
-          </a:p>
-        </p:txBody>
-      </p:sp>
+      <mc:AlternateContent xmlns:mc="http://schemas.openxmlformats.org/markup-compatibility/2006">
+        <mc:Choice xmlns:a14="http://schemas.microsoft.com/office/drawing/2010/main" Requires="a14">
+          <p:sp>
+            <p:nvSpPr>
+              <p:cNvPr id="4" name="TextBox 3">
+                <a:extLst>
+                  <a:ext uri="{FF2B5EF4-FFF2-40B4-BE49-F238E27FC236}">
+                    <a16:creationId xmlns:a16="http://schemas.microsoft.com/office/drawing/2014/main" id="{EF96BBC2-F31E-D04A-A5C4-ABC67D6544B7}"/>
+                  </a:ext>
+                </a:extLst>
+              </p:cNvPr>
+              <p:cNvSpPr txBox="1"/>
+              <p:nvPr/>
+            </p:nvSpPr>
+            <p:spPr>
+              <a:xfrm>
+                <a:off x="1828800" y="5325035"/>
+                <a:ext cx="12425082" cy="3693319"/>
+              </a:xfrm>
+              <a:prstGeom prst="rect">
+                <a:avLst/>
+              </a:prstGeom>
+              <a:noFill/>
+            </p:spPr>
+            <p:txBody>
+              <a:bodyPr wrap="square" rtlCol="0">
+                <a:spAutoFit/>
+              </a:bodyPr>
+              <a:lstStyle/>
+              <a:p>
+                <a:r>
+                  <a:rPr lang="en-US" dirty="0"/>
+                  <a:t>Forsterite is a very important mineral to study because it is expected to be a major component in the mantles of large rocky exoplanets and the main component of the Earth’s upper mantle. It is also very abundant in space, found in meteorites, comets, pre-solar grains, planetary surfaces, and accretion disks around young stars. On Earth, it may play a role in deep earthquake generation, and its phase transitions are the primary cause of seismic discontinuities at 410, 520, and 600 km depths. This experiment looks into the high-pressure melt of forsterite and determines if incongruent melting occurs. Incongruent melting is when a solid substance partially melts into a chemically different liquid and solid. For example, in forsterite, incongruent melting caused by high pressures should produce magnesium oxide crystals. </a:t>
+                </a:r>
+                <a14:m>
+                  <m:oMath xmlns:m="http://schemas.openxmlformats.org/officeDocument/2006/math">
+                    <m:sSub>
+                      <m:sSubPr>
+                        <m:ctrlPr>
+                          <a:rPr lang="en-US" i="1" smtClean="0">
+                            <a:latin typeface="Cambria Math" panose="02040503050406030204" pitchFamily="18" charset="0"/>
+                          </a:rPr>
+                        </m:ctrlPr>
+                      </m:sSubPr>
+                      <m:e>
+                        <m:r>
+                          <a:rPr lang="en-US" b="0" i="1" smtClean="0">
+                            <a:latin typeface="Cambria Math" panose="02040503050406030204" pitchFamily="18" charset="0"/>
+                          </a:rPr>
+                          <m:t>𝑀𝑔</m:t>
+                        </m:r>
+                      </m:e>
+                      <m:sub>
+                        <m:r>
+                          <a:rPr lang="en-US" b="0" i="1" smtClean="0">
+                            <a:latin typeface="Cambria Math" panose="02040503050406030204" pitchFamily="18" charset="0"/>
+                          </a:rPr>
+                          <m:t>2</m:t>
+                        </m:r>
+                      </m:sub>
+                    </m:sSub>
+                    <m:r>
+                      <a:rPr lang="en-US" b="0" i="1" smtClean="0">
+                        <a:latin typeface="Cambria Math" panose="02040503050406030204" pitchFamily="18" charset="0"/>
+                      </a:rPr>
+                      <m:t>𝑆𝑖</m:t>
+                    </m:r>
+                    <m:sSub>
+                      <m:sSubPr>
+                        <m:ctrlPr>
+                          <a:rPr lang="en-US" b="0" i="1" smtClean="0">
+                            <a:latin typeface="Cambria Math" panose="02040503050406030204" pitchFamily="18" charset="0"/>
+                          </a:rPr>
+                        </m:ctrlPr>
+                      </m:sSubPr>
+                      <m:e>
+                        <m:r>
+                          <a:rPr lang="en-US" b="0" i="1" smtClean="0">
+                            <a:latin typeface="Cambria Math" panose="02040503050406030204" pitchFamily="18" charset="0"/>
+                          </a:rPr>
+                          <m:t>𝑂</m:t>
+                        </m:r>
+                      </m:e>
+                      <m:sub>
+                        <m:r>
+                          <a:rPr lang="en-US" b="0" i="1" smtClean="0">
+                            <a:latin typeface="Cambria Math" panose="02040503050406030204" pitchFamily="18" charset="0"/>
+                          </a:rPr>
+                          <m:t>4 </m:t>
+                        </m:r>
+                      </m:sub>
+                    </m:sSub>
+                  </m:oMath>
+                </a14:m>
+                <a:r>
+                  <a:rPr lang="en-US" dirty="0"/>
+                  <a:t>(forsterite, solid) → </a:t>
+                </a:r>
+                <a14:m>
+                  <m:oMath xmlns:m="http://schemas.openxmlformats.org/officeDocument/2006/math">
+                    <m:r>
+                      <a:rPr lang="en-US" b="0" i="1" smtClean="0">
+                        <a:latin typeface="Cambria Math" panose="02040503050406030204" pitchFamily="18" charset="0"/>
+                      </a:rPr>
+                      <m:t>𝑀𝑔𝑆𝑖</m:t>
+                    </m:r>
+                    <m:sSub>
+                      <m:sSubPr>
+                        <m:ctrlPr>
+                          <a:rPr lang="en-US" b="0" i="1" smtClean="0">
+                            <a:latin typeface="Cambria Math" panose="02040503050406030204" pitchFamily="18" charset="0"/>
+                          </a:rPr>
+                        </m:ctrlPr>
+                      </m:sSubPr>
+                      <m:e>
+                        <m:r>
+                          <a:rPr lang="en-US" b="0" i="1" smtClean="0">
+                            <a:latin typeface="Cambria Math" panose="02040503050406030204" pitchFamily="18" charset="0"/>
+                          </a:rPr>
+                          <m:t>𝑂</m:t>
+                        </m:r>
+                      </m:e>
+                      <m:sub>
+                        <m:r>
+                          <a:rPr lang="en-US" b="0" i="1" smtClean="0">
+                            <a:latin typeface="Cambria Math" panose="02040503050406030204" pitchFamily="18" charset="0"/>
+                          </a:rPr>
+                          <m:t>3</m:t>
+                        </m:r>
+                      </m:sub>
+                    </m:sSub>
+                  </m:oMath>
+                </a14:m>
+                <a:r>
+                  <a:rPr lang="en-US" dirty="0"/>
+                  <a:t> (liquid) + </a:t>
+                </a:r>
+                <a14:m>
+                  <m:oMath xmlns:m="http://schemas.openxmlformats.org/officeDocument/2006/math">
+                    <m:r>
+                      <a:rPr lang="en-US" b="0" i="1" smtClean="0">
+                        <a:latin typeface="Cambria Math" panose="02040503050406030204" pitchFamily="18" charset="0"/>
+                      </a:rPr>
+                      <m:t>𝑀𝑔𝑂</m:t>
+                    </m:r>
+                  </m:oMath>
+                </a14:m>
+                <a:r>
+                  <a:rPr lang="en-US" dirty="0"/>
+                  <a:t> (solid). Knowing if incongruent melting occurs and when melting starts is very important in determining the habitability of extrasolar planets. A planet’s thermal evolution, geochemistry, and magnetic field are all influenced by the freezing/solidification of magma oceans, in which melting is a very important process. Melting also plays a role on convection currents in interior magma oceans, which influence plate tectonics and magnetosphere production, which are both essential for surface conditions that can support life. Results from this experiment can be used to verify these important theoretical planetary models.</a:t>
+                </a:r>
+              </a:p>
+              <a:p>
+                <a:r>
+                  <a:rPr lang="en-US" dirty="0"/>
+                  <a:t>*******add stuff about previous </a:t>
+                </a:r>
+                <a:r>
+                  <a:rPr lang="en-US"/>
+                  <a:t>forsterite experiments</a:t>
+                </a:r>
+                <a:endParaRPr lang="en-US" dirty="0"/>
+              </a:p>
+            </p:txBody>
+          </p:sp>
+        </mc:Choice>
+        <mc:Fallback>
+          <p:sp>
+            <p:nvSpPr>
+              <p:cNvPr id="4" name="TextBox 3">
+                <a:extLst>
+                  <a:ext uri="{FF2B5EF4-FFF2-40B4-BE49-F238E27FC236}">
+                    <a16:creationId xmlns:a16="http://schemas.microsoft.com/office/drawing/2014/main" id="{EF96BBC2-F31E-D04A-A5C4-ABC67D6544B7}"/>
+                  </a:ext>
+                </a:extLst>
+              </p:cNvPr>
+              <p:cNvSpPr txBox="1">
+                <a:spLocks noRot="1" noChangeAspect="1" noMove="1" noResize="1" noEditPoints="1" noAdjustHandles="1" noChangeArrowheads="1" noChangeShapeType="1" noTextEdit="1"/>
+              </p:cNvSpPr>
+              <p:nvPr/>
+            </p:nvSpPr>
+            <p:spPr>
+              <a:xfrm>
+                <a:off x="1828800" y="5325035"/>
+                <a:ext cx="12425082" cy="3693319"/>
+              </a:xfrm>
+              <a:prstGeom prst="rect">
+                <a:avLst/>
+              </a:prstGeom>
+              <a:blipFill>
+                <a:blip r:embed="rId2"/>
+                <a:stretch>
+                  <a:fillRect l="-393" t="-992" b="-1818"/>
+                </a:stretch>
+              </a:blipFill>
+            </p:spPr>
+            <p:txBody>
+              <a:bodyPr/>
+              <a:lstStyle/>
+              <a:p>
+                <a:r>
+                  <a:rPr lang="en-US">
+                    <a:noFill/>
+                  </a:rPr>
+                  <a:t> </a:t>
+                </a:r>
+              </a:p>
+            </p:txBody>
+          </p:sp>
+        </mc:Fallback>
+      </mc:AlternateContent>
     </p:spTree>
     <p:extLst>
       <p:ext uri="{BB962C8B-B14F-4D97-AF65-F5344CB8AC3E}">

--- a/poster.pptx
+++ b/poster.pptx
@@ -243,7 +243,7 @@
           <a:p>
             <a:fld id="{A30F3CC1-340D-D04D-B54B-4F427A71BCC2}" type="datetimeFigureOut">
               <a:rPr lang="en-US" smtClean="0"/>
-              <a:t>7/16/2024</a:t>
+              <a:t>7/17/24</a:t>
             </a:fld>
             <a:endParaRPr lang="en-US"/>
           </a:p>
@@ -413,7 +413,7 @@
           <a:p>
             <a:fld id="{A30F3CC1-340D-D04D-B54B-4F427A71BCC2}" type="datetimeFigureOut">
               <a:rPr lang="en-US" smtClean="0"/>
-              <a:t>7/16/2024</a:t>
+              <a:t>7/17/24</a:t>
             </a:fld>
             <a:endParaRPr lang="en-US"/>
           </a:p>
@@ -593,7 +593,7 @@
           <a:p>
             <a:fld id="{A30F3CC1-340D-D04D-B54B-4F427A71BCC2}" type="datetimeFigureOut">
               <a:rPr lang="en-US" smtClean="0"/>
-              <a:t>7/16/2024</a:t>
+              <a:t>7/17/24</a:t>
             </a:fld>
             <a:endParaRPr lang="en-US"/>
           </a:p>
@@ -763,7 +763,7 @@
           <a:p>
             <a:fld id="{A30F3CC1-340D-D04D-B54B-4F427A71BCC2}" type="datetimeFigureOut">
               <a:rPr lang="en-US" smtClean="0"/>
-              <a:t>7/16/2024</a:t>
+              <a:t>7/17/24</a:t>
             </a:fld>
             <a:endParaRPr lang="en-US"/>
           </a:p>
@@ -1007,7 +1007,7 @@
           <a:p>
             <a:fld id="{A30F3CC1-340D-D04D-B54B-4F427A71BCC2}" type="datetimeFigureOut">
               <a:rPr lang="en-US" smtClean="0"/>
-              <a:t>7/16/2024</a:t>
+              <a:t>7/17/24</a:t>
             </a:fld>
             <a:endParaRPr lang="en-US"/>
           </a:p>
@@ -1239,7 +1239,7 @@
           <a:p>
             <a:fld id="{A30F3CC1-340D-D04D-B54B-4F427A71BCC2}" type="datetimeFigureOut">
               <a:rPr lang="en-US" smtClean="0"/>
-              <a:t>7/16/2024</a:t>
+              <a:t>7/17/24</a:t>
             </a:fld>
             <a:endParaRPr lang="en-US"/>
           </a:p>
@@ -1606,7 +1606,7 @@
           <a:p>
             <a:fld id="{A30F3CC1-340D-D04D-B54B-4F427A71BCC2}" type="datetimeFigureOut">
               <a:rPr lang="en-US" smtClean="0"/>
-              <a:t>7/16/2024</a:t>
+              <a:t>7/17/24</a:t>
             </a:fld>
             <a:endParaRPr lang="en-US"/>
           </a:p>
@@ -1724,7 +1724,7 @@
           <a:p>
             <a:fld id="{A30F3CC1-340D-D04D-B54B-4F427A71BCC2}" type="datetimeFigureOut">
               <a:rPr lang="en-US" smtClean="0"/>
-              <a:t>7/16/2024</a:t>
+              <a:t>7/17/24</a:t>
             </a:fld>
             <a:endParaRPr lang="en-US"/>
           </a:p>
@@ -1819,7 +1819,7 @@
           <a:p>
             <a:fld id="{A30F3CC1-340D-D04D-B54B-4F427A71BCC2}" type="datetimeFigureOut">
               <a:rPr lang="en-US" smtClean="0"/>
-              <a:t>7/16/2024</a:t>
+              <a:t>7/17/24</a:t>
             </a:fld>
             <a:endParaRPr lang="en-US"/>
           </a:p>
@@ -2096,7 +2096,7 @@
           <a:p>
             <a:fld id="{A30F3CC1-340D-D04D-B54B-4F427A71BCC2}" type="datetimeFigureOut">
               <a:rPr lang="en-US" smtClean="0"/>
-              <a:t>7/16/2024</a:t>
+              <a:t>7/17/24</a:t>
             </a:fld>
             <a:endParaRPr lang="en-US"/>
           </a:p>
@@ -2353,7 +2353,7 @@
           <a:p>
             <a:fld id="{A30F3CC1-340D-D04D-B54B-4F427A71BCC2}" type="datetimeFigureOut">
               <a:rPr lang="en-US" smtClean="0"/>
-              <a:t>7/16/2024</a:t>
+              <a:t>7/17/24</a:t>
             </a:fld>
             <a:endParaRPr lang="en-US"/>
           </a:p>
@@ -2566,7 +2566,7 @@
           <a:p>
             <a:fld id="{A30F3CC1-340D-D04D-B54B-4F427A71BCC2}" type="datetimeFigureOut">
               <a:rPr lang="en-US" smtClean="0"/>
-              <a:t>7/16/2024</a:t>
+              <a:t>7/17/24</a:t>
             </a:fld>
             <a:endParaRPr lang="en-US"/>
           </a:p>
@@ -3061,7 +3061,7 @@
             <p:spPr>
               <a:xfrm>
                 <a:off x="1828800" y="5325035"/>
-                <a:ext cx="12425082" cy="3693319"/>
+                <a:ext cx="12425082" cy="6463308"/>
               </a:xfrm>
               <a:prstGeom prst="rect">
                 <a:avLst/>
@@ -3076,7 +3076,7 @@
               <a:p>
                 <a:r>
                   <a:rPr lang="en-US" dirty="0"/>
-                  <a:t>Forsterite is a very important mineral to study because it is expected to be a major component in the mantles of large rocky exoplanets and the main component of the Earth’s upper mantle. It is also very abundant in space, found in meteorites, comets, pre-solar grains, planetary surfaces, and accretion disks around young stars. On Earth, it may play a role in deep earthquake generation, and its phase transitions are the primary cause of seismic discontinuities at 410, 520, and 600 km depths. This experiment looks into the high-pressure melt of forsterite and determines if incongruent melting occurs. Incongruent melting is when a solid substance partially melts into a chemically different liquid and solid. For example, in forsterite, incongruent melting caused by high pressures should produce magnesium oxide crystals. </a:t>
+                  <a:t>        Forsterite is a very important mineral to study because it is expected to be a major component in the mantles of large rocky exoplanets and the main component of the Earth’s upper mantle. It is also very abundant in space, found in meteorites, comets, pre-solar grains, planetary surfaces, and accretion disks around young stars. On Earth, it may play a role in deep earthquake generation, and its phase transitions are the primary cause of seismic discontinuities at 410, 520, and 600 km depths. This experiment looks into the high-pressure melt of forsterite and determines if incongruent melting occurs. Incongruent melting is when a solid substance partially melts into a chemically different liquid and solid. For example, in forsterite, incongruent melting caused by high pressures should produce magnesium oxide crystals. </a:t>
                 </a:r>
                 <a14:m>
                   <m:oMath xmlns:m="http://schemas.openxmlformats.org/officeDocument/2006/math">
@@ -3193,19 +3193,108 @@
                 </a14:m>
                 <a:r>
                   <a:rPr lang="en-US" dirty="0"/>
-                  <a:t> (solid). Knowing if incongruent melting occurs and when melting starts is very important in determining the habitability of extrasolar planets. A planet’s thermal evolution, geochemistry, and magnetic field are all influenced by the freezing/solidification of magma oceans, in which melting is a very important process. Melting also plays a role on convection currents in interior magma oceans, which influence plate tectonics and magnetosphere production, which are both essential for surface conditions that can support life. Results from this experiment can be used to verify these important theoretical planetary models.</a:t>
+                  <a:t> (solid). Knowing if incongruent melting occurs and when melting starts is very important in determining the habitability of extrasolar planets. A planet’s thermal evolution, geochemistry, and magnetic field are all influenced by the freezing/solidification of magma oceans, in which melting is a very important process. Melting also plays a role on convection currents in interior magma oceans, which influence plate tectonics and magnetosphere production, which are both essential for surface conditions that can support life. Results from this experiment can be used to add to and verify various theoretical models such as convection in the Earth’s mantle, magma oceans, extrasolar planet habitability, and collisions of terrestrial planets. </a:t>
                 </a:r>
+              </a:p>
+              <a:p>
+                <a:endParaRPr lang="en-US" dirty="0"/>
               </a:p>
               <a:p>
                 <a:r>
                   <a:rPr lang="en-US" dirty="0"/>
-                  <a:t>*******add stuff about previous </a:t>
+                  <a:t>Might need to redo below because it might be about confirming which pressure range is right, Newman’s dissertation or the 2016 study because they had drastically different pressure ranges, </a:t>
                 </a:r>
                 <a:r>
-                  <a:rPr lang="en-US"/>
-                  <a:t>forsterite experiments</a:t>
+                  <a:rPr lang="en-US" dirty="0" err="1"/>
+                  <a:t>Newmans</a:t>
+                </a:r>
+                <a:r>
+                  <a:rPr lang="en-US" dirty="0"/>
+                  <a:t> from 150-195 </a:t>
+                </a:r>
+                <a:r>
+                  <a:rPr lang="en-US" dirty="0" err="1"/>
+                  <a:t>GPa</a:t>
                 </a:r>
                 <a:endParaRPr lang="en-US" dirty="0"/>
+              </a:p>
+              <a:p>
+                <a:r>
+                  <a:rPr lang="en-US" dirty="0"/>
+                  <a:t>***        There have been many shock wave compression experiments on forsterite, but none of them has confirmed the existence of the theoretically predicted incongruent melt of forsterite. A previous study (</a:t>
+                </a:r>
+                <a:r>
+                  <a:rPr lang="en-US" dirty="0" err="1"/>
+                  <a:t>Sekine</a:t>
+                </a:r>
+                <a:r>
+                  <a:rPr lang="en-US" dirty="0"/>
+                  <a:t>, 2016) which reports the results of shock compression experiments that go above 250 </a:t>
+                </a:r>
+                <a:r>
+                  <a:rPr lang="en-US" dirty="0" err="1"/>
+                  <a:t>GPa</a:t>
+                </a:r>
+                <a:r>
+                  <a:rPr lang="en-US" dirty="0"/>
+                  <a:t>. This study found slope changes in the </a:t>
+                </a:r>
+                <a:r>
+                  <a:rPr lang="en-US" dirty="0" err="1"/>
+                  <a:t>Hugoniot</a:t>
+                </a:r>
+                <a:r>
+                  <a:rPr lang="en-US" dirty="0"/>
+                  <a:t>, which may be attributed to incongruent melting at 271 to 285 </a:t>
+                </a:r>
+                <a:r>
+                  <a:rPr lang="en-US" dirty="0" err="1"/>
+                  <a:t>GPa</a:t>
+                </a:r>
+                <a:r>
+                  <a:rPr lang="en-US" dirty="0"/>
+                  <a:t>, MgO B2 phase transition at 285 to 344 </a:t>
+                </a:r>
+                <a:r>
+                  <a:rPr lang="en-US" dirty="0" err="1"/>
+                  <a:t>GPa</a:t>
+                </a:r>
+                <a:r>
+                  <a:rPr lang="en-US" dirty="0"/>
+                  <a:t>, and remelting above 470 </a:t>
+                </a:r>
+                <a:r>
+                  <a:rPr lang="en-US" dirty="0" err="1"/>
+                  <a:t>GPa</a:t>
+                </a:r>
+                <a:r>
+                  <a:rPr lang="en-US" dirty="0"/>
+                  <a:t>. However, a different study (Root, 2018) attempted to replicate these results, and did not find any slope changes in the </a:t>
+                </a:r>
+                <a:r>
+                  <a:rPr lang="en-US" dirty="0" err="1"/>
+                  <a:t>Hugoniot</a:t>
+                </a:r>
+                <a:r>
+                  <a:rPr lang="en-US" dirty="0"/>
+                  <a:t> or clear signs of phase transitions or phase separation above 200 </a:t>
+                </a:r>
+                <a:r>
+                  <a:rPr lang="en-US" dirty="0" err="1"/>
+                  <a:t>GPa</a:t>
+                </a:r>
+                <a:r>
+                  <a:rPr lang="en-US" dirty="0"/>
+                  <a:t>. This study then theorizes that the proposed range for incongruent melting provided in </a:t>
+                </a:r>
+                <a:r>
+                  <a:rPr lang="en-US" dirty="0" err="1"/>
+                  <a:t>Sekine</a:t>
+                </a:r>
+                <a:r>
+                  <a:rPr lang="en-US" dirty="0"/>
+                  <a:t> et al. (2016) is too high and should be further investigated in later experiments using X-ray diffraction.</a:t>
+                </a:r>
               </a:p>
             </p:txBody>
           </p:sp>
@@ -3228,7 +3317,7 @@
             <p:spPr>
               <a:xfrm>
                 <a:off x="1828800" y="5325035"/>
-                <a:ext cx="12425082" cy="3693319"/>
+                <a:ext cx="12425082" cy="6463308"/>
               </a:xfrm>
               <a:prstGeom prst="rect">
                 <a:avLst/>
@@ -3236,7 +3325,169 @@
               <a:blipFill>
                 <a:blip r:embed="rId2"/>
                 <a:stretch>
-                  <a:fillRect l="-393" t="-992" b="-1818"/>
+                  <a:fillRect l="-409" t="-392" r="-102" b="-588"/>
+                </a:stretch>
+              </a:blipFill>
+            </p:spPr>
+            <p:txBody>
+              <a:bodyPr/>
+              <a:lstStyle/>
+              <a:p>
+                <a:r>
+                  <a:rPr lang="en-US">
+                    <a:noFill/>
+                  </a:rPr>
+                  <a:t> </a:t>
+                </a:r>
+              </a:p>
+            </p:txBody>
+          </p:sp>
+        </mc:Fallback>
+      </mc:AlternateContent>
+      <mc:AlternateContent xmlns:mc="http://schemas.openxmlformats.org/markup-compatibility/2006">
+        <mc:Choice xmlns:a14="http://schemas.microsoft.com/office/drawing/2010/main" Requires="a14">
+          <p:sp>
+            <p:nvSpPr>
+              <p:cNvPr id="3" name="TextBox 2">
+                <a:extLst>
+                  <a:ext uri="{FF2B5EF4-FFF2-40B4-BE49-F238E27FC236}">
+                    <a16:creationId xmlns:a16="http://schemas.microsoft.com/office/drawing/2014/main" id="{9EA05E91-EF81-8040-BB1B-298D96098005}"/>
+                  </a:ext>
+                </a:extLst>
+              </p:cNvPr>
+              <p:cNvSpPr txBox="1"/>
+              <p:nvPr/>
+            </p:nvSpPr>
+            <p:spPr>
+              <a:xfrm>
+                <a:off x="1828800" y="12002017"/>
+                <a:ext cx="11958918" cy="2585323"/>
+              </a:xfrm>
+              <a:prstGeom prst="rect">
+                <a:avLst/>
+              </a:prstGeom>
+              <a:noFill/>
+            </p:spPr>
+            <p:txBody>
+              <a:bodyPr wrap="square" rtlCol="0">
+                <a:spAutoFit/>
+              </a:bodyPr>
+              <a:lstStyle/>
+              <a:p>
+                <a:r>
+                  <a:rPr lang="en-US" dirty="0"/>
+                  <a:t>        The shock wave compression on the forsterite was achieved using the Omega-EP laser from the Laboratory for Laser Energetics. The sample consisted of a 150 </a:t>
+                </a:r>
+                <a14:m>
+                  <m:oMath xmlns:m="http://schemas.openxmlformats.org/officeDocument/2006/math">
+                    <m:r>
+                      <a:rPr lang="en-US" i="1" smtClean="0">
+                        <a:latin typeface="Cambria Math" panose="02040503050406030204" pitchFamily="18" charset="0"/>
+                        <a:ea typeface="Cambria Math" panose="02040503050406030204" pitchFamily="18" charset="0"/>
+                      </a:rPr>
+                      <m:t>𝜇</m:t>
+                    </m:r>
+                    <m:r>
+                      <a:rPr lang="en-US" b="0" i="1" smtClean="0">
+                        <a:latin typeface="Cambria Math" panose="02040503050406030204" pitchFamily="18" charset="0"/>
+                        <a:ea typeface="Cambria Math" panose="02040503050406030204" pitchFamily="18" charset="0"/>
+                      </a:rPr>
+                      <m:t>𝑚</m:t>
+                    </m:r>
+                  </m:oMath>
+                </a14:m>
+                <a:r>
+                  <a:rPr lang="en-US" dirty="0"/>
+                  <a:t> thick Kapton ablator, 130 </a:t>
+                </a:r>
+                <a14:m>
+                  <m:oMath xmlns:m="http://schemas.openxmlformats.org/officeDocument/2006/math">
+                    <m:r>
+                      <a:rPr lang="en-US" i="1">
+                        <a:latin typeface="Cambria Math" panose="02040503050406030204" pitchFamily="18" charset="0"/>
+                        <a:ea typeface="Cambria Math" panose="02040503050406030204" pitchFamily="18" charset="0"/>
+                      </a:rPr>
+                      <m:t>𝜇</m:t>
+                    </m:r>
+                    <m:r>
+                      <a:rPr lang="en-US" i="1">
+                        <a:latin typeface="Cambria Math" panose="02040503050406030204" pitchFamily="18" charset="0"/>
+                        <a:ea typeface="Cambria Math" panose="02040503050406030204" pitchFamily="18" charset="0"/>
+                      </a:rPr>
+                      <m:t>𝑚</m:t>
+                    </m:r>
+                  </m:oMath>
+                </a14:m>
+                <a:r>
+                  <a:rPr lang="en-US" dirty="0"/>
+                  <a:t> of powdered forsterite, and 100 </a:t>
+                </a:r>
+                <a14:m>
+                  <m:oMath xmlns:m="http://schemas.openxmlformats.org/officeDocument/2006/math">
+                    <m:r>
+                      <a:rPr lang="en-US" i="1">
+                        <a:latin typeface="Cambria Math" panose="02040503050406030204" pitchFamily="18" charset="0"/>
+                        <a:ea typeface="Cambria Math" panose="02040503050406030204" pitchFamily="18" charset="0"/>
+                      </a:rPr>
+                      <m:t>𝜇</m:t>
+                    </m:r>
+                    <m:r>
+                      <a:rPr lang="en-US" i="1">
+                        <a:latin typeface="Cambria Math" panose="02040503050406030204" pitchFamily="18" charset="0"/>
+                        <a:ea typeface="Cambria Math" panose="02040503050406030204" pitchFamily="18" charset="0"/>
+                      </a:rPr>
+                      <m:t>𝑚</m:t>
+                    </m:r>
+                  </m:oMath>
+                </a14:m>
+                <a:r>
+                  <a:rPr lang="en-US" dirty="0"/>
+                  <a:t> of window material (</a:t>
+                </a:r>
+                <a:r>
+                  <a:rPr lang="en-US" dirty="0" err="1"/>
+                  <a:t>LiF</a:t>
+                </a:r>
+                <a:r>
+                  <a:rPr lang="en-US" dirty="0"/>
+                  <a:t>). As the laser hits the sample, the ablator expands backwards, sending an even shock wave through the sample. At the same time, x-rays from a laser generated Cu plasma are also sent into the sample. This data is collected using PXRDIP, or Powder X-Ray Diffraction Image Plates, which is a box of image plates that are extremely sensitive to x-rays. The x-rays are diffracted according to the crystal structure of the sample, and these diffracted x-rays are picked up by the IP (image plates). The sample is held by a Ta pinhole, and along with focusing the x-rays onto the sample, the pinhole also provides a way to align the data properly, as the ways Ta diffracts are well known and well measured. Transformation is applied to pictures of these plates to provide a polar view </a:t>
+                </a:r>
+                <a:r>
+                  <a:rPr lang="en-US"/>
+                  <a:t>of the data. </a:t>
+                </a:r>
+                <a:endParaRPr lang="en-US" dirty="0"/>
+              </a:p>
+            </p:txBody>
+          </p:sp>
+        </mc:Choice>
+        <mc:Fallback>
+          <p:sp>
+            <p:nvSpPr>
+              <p:cNvPr id="3" name="TextBox 2">
+                <a:extLst>
+                  <a:ext uri="{FF2B5EF4-FFF2-40B4-BE49-F238E27FC236}">
+                    <a16:creationId xmlns:a16="http://schemas.microsoft.com/office/drawing/2014/main" id="{9EA05E91-EF81-8040-BB1B-298D96098005}"/>
+                  </a:ext>
+                </a:extLst>
+              </p:cNvPr>
+              <p:cNvSpPr txBox="1">
+                <a:spLocks noRot="1" noChangeAspect="1" noMove="1" noResize="1" noEditPoints="1" noAdjustHandles="1" noChangeArrowheads="1" noChangeShapeType="1" noTextEdit="1"/>
+              </p:cNvSpPr>
+              <p:nvPr/>
+            </p:nvSpPr>
+            <p:spPr>
+              <a:xfrm>
+                <a:off x="1828800" y="12002017"/>
+                <a:ext cx="11958918" cy="2585323"/>
+              </a:xfrm>
+              <a:prstGeom prst="rect">
+                <a:avLst/>
+              </a:prstGeom>
+              <a:blipFill>
+                <a:blip r:embed="rId3"/>
+                <a:stretch>
+                  <a:fillRect l="-425" t="-1471" r="-425" b="-2941"/>
                 </a:stretch>
               </a:blipFill>
             </p:spPr>

--- a/poster.pptx
+++ b/poster.pptx
@@ -243,7 +243,7 @@
           <a:p>
             <a:fld id="{A30F3CC1-340D-D04D-B54B-4F427A71BCC2}" type="datetimeFigureOut">
               <a:rPr lang="en-US" smtClean="0"/>
-              <a:t>7/17/24</a:t>
+              <a:t>7/18/24</a:t>
             </a:fld>
             <a:endParaRPr lang="en-US"/>
           </a:p>
@@ -413,7 +413,7 @@
           <a:p>
             <a:fld id="{A30F3CC1-340D-D04D-B54B-4F427A71BCC2}" type="datetimeFigureOut">
               <a:rPr lang="en-US" smtClean="0"/>
-              <a:t>7/17/24</a:t>
+              <a:t>7/18/24</a:t>
             </a:fld>
             <a:endParaRPr lang="en-US"/>
           </a:p>
@@ -593,7 +593,7 @@
           <a:p>
             <a:fld id="{A30F3CC1-340D-D04D-B54B-4F427A71BCC2}" type="datetimeFigureOut">
               <a:rPr lang="en-US" smtClean="0"/>
-              <a:t>7/17/24</a:t>
+              <a:t>7/18/24</a:t>
             </a:fld>
             <a:endParaRPr lang="en-US"/>
           </a:p>
@@ -763,7 +763,7 @@
           <a:p>
             <a:fld id="{A30F3CC1-340D-D04D-B54B-4F427A71BCC2}" type="datetimeFigureOut">
               <a:rPr lang="en-US" smtClean="0"/>
-              <a:t>7/17/24</a:t>
+              <a:t>7/18/24</a:t>
             </a:fld>
             <a:endParaRPr lang="en-US"/>
           </a:p>
@@ -1007,7 +1007,7 @@
           <a:p>
             <a:fld id="{A30F3CC1-340D-D04D-B54B-4F427A71BCC2}" type="datetimeFigureOut">
               <a:rPr lang="en-US" smtClean="0"/>
-              <a:t>7/17/24</a:t>
+              <a:t>7/18/24</a:t>
             </a:fld>
             <a:endParaRPr lang="en-US"/>
           </a:p>
@@ -1239,7 +1239,7 @@
           <a:p>
             <a:fld id="{A30F3CC1-340D-D04D-B54B-4F427A71BCC2}" type="datetimeFigureOut">
               <a:rPr lang="en-US" smtClean="0"/>
-              <a:t>7/17/24</a:t>
+              <a:t>7/18/24</a:t>
             </a:fld>
             <a:endParaRPr lang="en-US"/>
           </a:p>
@@ -1606,7 +1606,7 @@
           <a:p>
             <a:fld id="{A30F3CC1-340D-D04D-B54B-4F427A71BCC2}" type="datetimeFigureOut">
               <a:rPr lang="en-US" smtClean="0"/>
-              <a:t>7/17/24</a:t>
+              <a:t>7/18/24</a:t>
             </a:fld>
             <a:endParaRPr lang="en-US"/>
           </a:p>
@@ -1724,7 +1724,7 @@
           <a:p>
             <a:fld id="{A30F3CC1-340D-D04D-B54B-4F427A71BCC2}" type="datetimeFigureOut">
               <a:rPr lang="en-US" smtClean="0"/>
-              <a:t>7/17/24</a:t>
+              <a:t>7/18/24</a:t>
             </a:fld>
             <a:endParaRPr lang="en-US"/>
           </a:p>
@@ -1819,7 +1819,7 @@
           <a:p>
             <a:fld id="{A30F3CC1-340D-D04D-B54B-4F427A71BCC2}" type="datetimeFigureOut">
               <a:rPr lang="en-US" smtClean="0"/>
-              <a:t>7/17/24</a:t>
+              <a:t>7/18/24</a:t>
             </a:fld>
             <a:endParaRPr lang="en-US"/>
           </a:p>
@@ -2096,7 +2096,7 @@
           <a:p>
             <a:fld id="{A30F3CC1-340D-D04D-B54B-4F427A71BCC2}" type="datetimeFigureOut">
               <a:rPr lang="en-US" smtClean="0"/>
-              <a:t>7/17/24</a:t>
+              <a:t>7/18/24</a:t>
             </a:fld>
             <a:endParaRPr lang="en-US"/>
           </a:p>
@@ -2353,7 +2353,7 @@
           <a:p>
             <a:fld id="{A30F3CC1-340D-D04D-B54B-4F427A71BCC2}" type="datetimeFigureOut">
               <a:rPr lang="en-US" smtClean="0"/>
-              <a:t>7/17/24</a:t>
+              <a:t>7/18/24</a:t>
             </a:fld>
             <a:endParaRPr lang="en-US"/>
           </a:p>
@@ -2566,7 +2566,7 @@
           <a:p>
             <a:fld id="{A30F3CC1-340D-D04D-B54B-4F427A71BCC2}" type="datetimeFigureOut">
               <a:rPr lang="en-US" smtClean="0"/>
-              <a:t>7/17/24</a:t>
+              <a:t>7/18/24</a:t>
             </a:fld>
             <a:endParaRPr lang="en-US"/>
           </a:p>
@@ -3044,8 +3044,8 @@
           </a:p>
         </p:txBody>
       </p:sp>
-      <mc:AlternateContent xmlns:mc="http://schemas.openxmlformats.org/markup-compatibility/2006">
-        <mc:Choice xmlns:a14="http://schemas.microsoft.com/office/drawing/2010/main" Requires="a14">
+      <mc:AlternateContent xmlns:mc="http://schemas.openxmlformats.org/markup-compatibility/2006" xmlns:a14="http://schemas.microsoft.com/office/drawing/2010/main">
+        <mc:Choice Requires="a14">
           <p:sp>
             <p:nvSpPr>
               <p:cNvPr id="4" name="TextBox 3">
@@ -3299,7 +3299,7 @@
             </p:txBody>
           </p:sp>
         </mc:Choice>
-        <mc:Fallback>
+        <mc:Fallback xmlns="">
           <p:sp>
             <p:nvSpPr>
               <p:cNvPr id="4" name="TextBox 3">
@@ -3361,7 +3361,7 @@
             <p:spPr>
               <a:xfrm>
                 <a:off x="1828800" y="12002017"/>
-                <a:ext cx="11958918" cy="2585323"/>
+                <a:ext cx="11958918" cy="4801314"/>
               </a:xfrm>
               <a:prstGeom prst="rect">
                 <a:avLst/>
@@ -3376,29 +3376,7 @@
               <a:p>
                 <a:r>
                   <a:rPr lang="en-US" dirty="0"/>
-                  <a:t>        The shock wave compression on the forsterite was achieved using the Omega-EP laser from the Laboratory for Laser Energetics. The sample consisted of a 150 </a:t>
-                </a:r>
-                <a14:m>
-                  <m:oMath xmlns:m="http://schemas.openxmlformats.org/officeDocument/2006/math">
-                    <m:r>
-                      <a:rPr lang="en-US" i="1" smtClean="0">
-                        <a:latin typeface="Cambria Math" panose="02040503050406030204" pitchFamily="18" charset="0"/>
-                        <a:ea typeface="Cambria Math" panose="02040503050406030204" pitchFamily="18" charset="0"/>
-                      </a:rPr>
-                      <m:t>𝜇</m:t>
-                    </m:r>
-                    <m:r>
-                      <a:rPr lang="en-US" b="0" i="1" smtClean="0">
-                        <a:latin typeface="Cambria Math" panose="02040503050406030204" pitchFamily="18" charset="0"/>
-                        <a:ea typeface="Cambria Math" panose="02040503050406030204" pitchFamily="18" charset="0"/>
-                      </a:rPr>
-                      <m:t>𝑚</m:t>
-                    </m:r>
-                  </m:oMath>
-                </a14:m>
-                <a:r>
-                  <a:rPr lang="en-US" dirty="0"/>
-                  <a:t> thick Kapton ablator, 130 </a:t>
+                  <a:t> The shock wave compression on the forsterite was achieved using the Omega-EP laser from the Laboratory for Laser Energetics. The sample consisted of a 150 </a:t>
                 </a:r>
                 <a14:m>
                   <m:oMath xmlns:m="http://schemas.openxmlformats.org/officeDocument/2006/math">
@@ -3420,7 +3398,7 @@
                 </a14:m>
                 <a:r>
                   <a:rPr lang="en-US" dirty="0"/>
-                  <a:t> of powdered forsterite, and 100 </a:t>
+                  <a:t> thick Kapton ablator, 130 </a:t>
                 </a:r>
                 <a14:m>
                   <m:oMath xmlns:m="http://schemas.openxmlformats.org/officeDocument/2006/math">
@@ -3442,6 +3420,28 @@
                 </a14:m>
                 <a:r>
                   <a:rPr lang="en-US" dirty="0"/>
+                  <a:t> of powdered forsterite, and 100 </a:t>
+                </a:r>
+                <a14:m>
+                  <m:oMath xmlns:m="http://schemas.openxmlformats.org/officeDocument/2006/math">
+                    <m:r>
+                      <a:rPr lang="en-US" i="1">
+                        <a:latin typeface="Cambria Math" panose="02040503050406030204" pitchFamily="18" charset="0"/>
+                        <a:ea typeface="Cambria Math" panose="02040503050406030204" pitchFamily="18" charset="0"/>
+                      </a:rPr>
+                      <m:t>𝜇</m:t>
+                    </m:r>
+                    <m:r>
+                      <a:rPr lang="en-US" i="1">
+                        <a:latin typeface="Cambria Math" panose="02040503050406030204" pitchFamily="18" charset="0"/>
+                        <a:ea typeface="Cambria Math" panose="02040503050406030204" pitchFamily="18" charset="0"/>
+                      </a:rPr>
+                      <m:t>𝑚</m:t>
+                    </m:r>
+                  </m:oMath>
+                </a14:m>
+                <a:r>
+                  <a:rPr lang="en-US" dirty="0"/>
                   <a:t> of window material (</a:t>
                 </a:r>
                 <a:r>
@@ -3450,13 +3450,30 @@
                 </a:r>
                 <a:r>
                   <a:rPr lang="en-US" dirty="0"/>
-                  <a:t>). As the laser hits the sample, the ablator expands backwards, sending an even shock wave through the sample. At the same time, x-rays from a laser generated Cu plasma are also sent into the sample. This data is collected using PXRDIP, or Powder X-Ray Diffraction Image Plates, which is a box of image plates that are extremely sensitive to x-rays. The x-rays are diffracted according to the crystal structure of the sample, and these diffracted x-rays are picked up by the IP (image plates). The sample is held by a Ta pinhole, and along with focusing the x-rays onto the sample, the pinhole also provides a way to align the data properly, as the ways Ta diffracts are well known and well measured. Transformation is applied to pictures of these plates to provide a polar view </a:t>
-                </a:r>
-                <a:r>
-                  <a:rPr lang="en-US"/>
-                  <a:t>of the data. </a:t>
-                </a:r>
-                <a:endParaRPr lang="en-US" dirty="0"/>
+                  <a:t>). As the laser hits the sample, the ablator expands backwards, sending an even shock wave through the sample. At the same time, x-rays from a laser generated Cu plasma are also sent into the sample. This data is collected using PXRDIP, or Powder X-Ray Diffraction Image Plates, which is a box of image plates that are extremely sensitive to x-rays. The x-rays are diffracted according to the crystal structure of the sample, and these diffracted x-rays are picked up by the IP (image plates). The sample is held by a Ta pinhole, and along with focusing the x-rays onto the sample, the pinhole also provides a way to align the data properly, as the ways Ta diffracts are well known and well measured. Transformation is applied to pictures of these plates to provide a polar view of the data. After integrating along the azimuthal angle, diffraction peaks can be measured and found. Depending on the substance, diffraction peaks can be in dots or lines. These peaks are then translated into d-spacing, which is the inter-atomic spacing in the lattice. Each material, in each different crystal orientation, gives off a unique d-spacing value. </a:t>
+                </a:r>
+              </a:p>
+              <a:p>
+                <a:r>
+                  <a:rPr lang="en-US" dirty="0"/>
+                  <a:t>        Due to the fact that the sample is in a powder and is not a single-crystal sample, all possible orientations must be considered in a very tedious process. Crystal orientations are always in the form [</a:t>
+                </a:r>
+                <a:r>
+                  <a:rPr lang="en-US" dirty="0" err="1"/>
+                  <a:t>h,k,l</a:t>
+                </a:r>
+                <a:r>
+                  <a:rPr lang="en-US" dirty="0"/>
+                  <a:t>], where h, k and l are all integers from 0 to X(not sure), inclusive. Python code was developed to use least squared regression to solve for these 3 variables. Using the pressure-density </a:t>
+                </a:r>
+                <a:r>
+                  <a:rPr lang="en-US" dirty="0" err="1"/>
+                  <a:t>Hugoniot</a:t>
+                </a:r>
+                <a:r>
+                  <a:rPr lang="en-US" dirty="0"/>
+                  <a:t> of the material, the density and therefore volume can be found. Then, all the d-spacing values are plugged into the equation to try and find a match with the crystal orientation.</a:t>
+                </a:r>
               </a:p>
             </p:txBody>
           </p:sp>
@@ -3479,7 +3496,7 @@
             <p:spPr>
               <a:xfrm>
                 <a:off x="1828800" y="12002017"/>
-                <a:ext cx="11958918" cy="2585323"/>
+                <a:ext cx="11958918" cy="4801314"/>
               </a:xfrm>
               <a:prstGeom prst="rect">
                 <a:avLst/>
@@ -3487,7 +3504,7 @@
               <a:blipFill>
                 <a:blip r:embed="rId3"/>
                 <a:stretch>
-                  <a:fillRect l="-425" t="-1471" r="-425" b="-2941"/>
+                  <a:fillRect l="-425" t="-794" r="-425" b="-1058"/>
                 </a:stretch>
               </a:blipFill>
             </p:spPr>

--- a/poster.pptx
+++ b/poster.pptx
@@ -4,6 +4,9 @@
   <p:sldMasterIdLst>
     <p:sldMasterId id="2147483660" r:id="rId1"/>
   </p:sldMasterIdLst>
+  <p:notesMasterIdLst>
+    <p:notesMasterId r:id="rId3"/>
+  </p:notesMasterIdLst>
   <p:sldIdLst>
     <p:sldId id="257" r:id="rId2"/>
   </p:sldIdLst>
@@ -112,6 +115,439 @@
 </p:presentation>
 </file>
 
+<file path=ppt/notesMasters/notesMaster1.xml><?xml version="1.0" encoding="utf-8"?>
+<p:notesMaster xmlns:a="http://schemas.openxmlformats.org/drawingml/2006/main" xmlns:r="http://schemas.openxmlformats.org/officeDocument/2006/relationships" xmlns:p="http://schemas.openxmlformats.org/presentationml/2006/main">
+  <p:cSld>
+    <p:bg>
+      <p:bgRef idx="1001">
+        <a:schemeClr val="bg1"/>
+      </p:bgRef>
+    </p:bg>
+    <p:spTree>
+      <p:nvGrpSpPr>
+        <p:cNvPr id="1" name=""/>
+        <p:cNvGrpSpPr/>
+        <p:nvPr/>
+      </p:nvGrpSpPr>
+      <p:grpSpPr>
+        <a:xfrm>
+          <a:off x="0" y="0"/>
+          <a:ext cx="0" cy="0"/>
+          <a:chOff x="0" y="0"/>
+          <a:chExt cx="0" cy="0"/>
+        </a:xfrm>
+      </p:grpSpPr>
+      <p:sp>
+        <p:nvSpPr>
+          <p:cNvPr id="2" name="Header Placeholder 1"/>
+          <p:cNvSpPr>
+            <a:spLocks noGrp="1"/>
+          </p:cNvSpPr>
+          <p:nvPr>
+            <p:ph type="hdr" sz="quarter"/>
+          </p:nvPr>
+        </p:nvSpPr>
+        <p:spPr>
+          <a:xfrm>
+            <a:off x="0" y="0"/>
+            <a:ext cx="2971800" cy="458788"/>
+          </a:xfrm>
+          <a:prstGeom prst="rect">
+            <a:avLst/>
+          </a:prstGeom>
+        </p:spPr>
+        <p:txBody>
+          <a:bodyPr vert="horz" lIns="91440" tIns="45720" rIns="91440" bIns="45720" rtlCol="0"/>
+          <a:lstStyle>
+            <a:lvl1pPr algn="l">
+              <a:defRPr sz="1200"/>
+            </a:lvl1pPr>
+          </a:lstStyle>
+          <a:p>
+            <a:endParaRPr lang="en-US"/>
+          </a:p>
+        </p:txBody>
+      </p:sp>
+      <p:sp>
+        <p:nvSpPr>
+          <p:cNvPr id="3" name="Date Placeholder 2"/>
+          <p:cNvSpPr>
+            <a:spLocks noGrp="1"/>
+          </p:cNvSpPr>
+          <p:nvPr>
+            <p:ph type="dt" idx="1"/>
+          </p:nvPr>
+        </p:nvSpPr>
+        <p:spPr>
+          <a:xfrm>
+            <a:off x="3884613" y="0"/>
+            <a:ext cx="2971800" cy="458788"/>
+          </a:xfrm>
+          <a:prstGeom prst="rect">
+            <a:avLst/>
+          </a:prstGeom>
+        </p:spPr>
+        <p:txBody>
+          <a:bodyPr vert="horz" lIns="91440" tIns="45720" rIns="91440" bIns="45720" rtlCol="0"/>
+          <a:lstStyle>
+            <a:lvl1pPr algn="r">
+              <a:defRPr sz="1200"/>
+            </a:lvl1pPr>
+          </a:lstStyle>
+          <a:p>
+            <a:fld id="{B9EA6684-D28B-3947-A709-9EEFB23505DF}" type="datetimeFigureOut">
+              <a:rPr lang="en-US" smtClean="0"/>
+              <a:t>7/21/24</a:t>
+            </a:fld>
+            <a:endParaRPr lang="en-US"/>
+          </a:p>
+        </p:txBody>
+      </p:sp>
+      <p:sp>
+        <p:nvSpPr>
+          <p:cNvPr id="4" name="Slide Image Placeholder 3"/>
+          <p:cNvSpPr>
+            <a:spLocks noGrp="1" noRot="1" noChangeAspect="1"/>
+          </p:cNvSpPr>
+          <p:nvPr>
+            <p:ph type="sldImg" idx="2"/>
+          </p:nvPr>
+        </p:nvSpPr>
+        <p:spPr>
+          <a:xfrm>
+            <a:off x="1371600" y="1143000"/>
+            <a:ext cx="4114800" cy="3086100"/>
+          </a:xfrm>
+          <a:prstGeom prst="rect">
+            <a:avLst/>
+          </a:prstGeom>
+          <a:noFill/>
+          <a:ln w="12700">
+            <a:solidFill>
+              <a:prstClr val="black"/>
+            </a:solidFill>
+          </a:ln>
+        </p:spPr>
+        <p:txBody>
+          <a:bodyPr vert="horz" lIns="91440" tIns="45720" rIns="91440" bIns="45720" rtlCol="0" anchor="ctr"/>
+          <a:lstStyle/>
+          <a:p>
+            <a:endParaRPr lang="en-US"/>
+          </a:p>
+        </p:txBody>
+      </p:sp>
+      <p:sp>
+        <p:nvSpPr>
+          <p:cNvPr id="5" name="Notes Placeholder 4"/>
+          <p:cNvSpPr>
+            <a:spLocks noGrp="1"/>
+          </p:cNvSpPr>
+          <p:nvPr>
+            <p:ph type="body" sz="quarter" idx="3"/>
+          </p:nvPr>
+        </p:nvSpPr>
+        <p:spPr>
+          <a:xfrm>
+            <a:off x="685800" y="4400550"/>
+            <a:ext cx="5486400" cy="3600450"/>
+          </a:xfrm>
+          <a:prstGeom prst="rect">
+            <a:avLst/>
+          </a:prstGeom>
+        </p:spPr>
+        <p:txBody>
+          <a:bodyPr vert="horz" lIns="91440" tIns="45720" rIns="91440" bIns="45720" rtlCol="0"/>
+          <a:lstStyle/>
+          <a:p>
+            <a:pPr lvl="0"/>
+            <a:r>
+              <a:rPr lang="en-US"/>
+              <a:t>Click to edit Master text styles</a:t>
+            </a:r>
+          </a:p>
+          <a:p>
+            <a:pPr lvl="1"/>
+            <a:r>
+              <a:rPr lang="en-US"/>
+              <a:t>Second level</a:t>
+            </a:r>
+          </a:p>
+          <a:p>
+            <a:pPr lvl="2"/>
+            <a:r>
+              <a:rPr lang="en-US"/>
+              <a:t>Third level</a:t>
+            </a:r>
+          </a:p>
+          <a:p>
+            <a:pPr lvl="3"/>
+            <a:r>
+              <a:rPr lang="en-US"/>
+              <a:t>Fourth level</a:t>
+            </a:r>
+          </a:p>
+          <a:p>
+            <a:pPr lvl="4"/>
+            <a:r>
+              <a:rPr lang="en-US"/>
+              <a:t>Fifth level</a:t>
+            </a:r>
+          </a:p>
+        </p:txBody>
+      </p:sp>
+      <p:sp>
+        <p:nvSpPr>
+          <p:cNvPr id="6" name="Footer Placeholder 5"/>
+          <p:cNvSpPr>
+            <a:spLocks noGrp="1"/>
+          </p:cNvSpPr>
+          <p:nvPr>
+            <p:ph type="ftr" sz="quarter" idx="4"/>
+          </p:nvPr>
+        </p:nvSpPr>
+        <p:spPr>
+          <a:xfrm>
+            <a:off x="0" y="8685213"/>
+            <a:ext cx="2971800" cy="458787"/>
+          </a:xfrm>
+          <a:prstGeom prst="rect">
+            <a:avLst/>
+          </a:prstGeom>
+        </p:spPr>
+        <p:txBody>
+          <a:bodyPr vert="horz" lIns="91440" tIns="45720" rIns="91440" bIns="45720" rtlCol="0" anchor="b"/>
+          <a:lstStyle>
+            <a:lvl1pPr algn="l">
+              <a:defRPr sz="1200"/>
+            </a:lvl1pPr>
+          </a:lstStyle>
+          <a:p>
+            <a:endParaRPr lang="en-US"/>
+          </a:p>
+        </p:txBody>
+      </p:sp>
+      <p:sp>
+        <p:nvSpPr>
+          <p:cNvPr id="7" name="Slide Number Placeholder 6"/>
+          <p:cNvSpPr>
+            <a:spLocks noGrp="1"/>
+          </p:cNvSpPr>
+          <p:nvPr>
+            <p:ph type="sldNum" sz="quarter" idx="5"/>
+          </p:nvPr>
+        </p:nvSpPr>
+        <p:spPr>
+          <a:xfrm>
+            <a:off x="3884613" y="8685213"/>
+            <a:ext cx="2971800" cy="458787"/>
+          </a:xfrm>
+          <a:prstGeom prst="rect">
+            <a:avLst/>
+          </a:prstGeom>
+        </p:spPr>
+        <p:txBody>
+          <a:bodyPr vert="horz" lIns="91440" tIns="45720" rIns="91440" bIns="45720" rtlCol="0" anchor="b"/>
+          <a:lstStyle>
+            <a:lvl1pPr algn="r">
+              <a:defRPr sz="1200"/>
+            </a:lvl1pPr>
+          </a:lstStyle>
+          <a:p>
+            <a:fld id="{1127CA1F-3922-1A46-A15D-7D42C9BA2461}" type="slidenum">
+              <a:rPr lang="en-US" smtClean="0"/>
+              <a:t>‹#›</a:t>
+            </a:fld>
+            <a:endParaRPr lang="en-US"/>
+          </a:p>
+        </p:txBody>
+      </p:sp>
+    </p:spTree>
+    <p:extLst>
+      <p:ext uri="{BB962C8B-B14F-4D97-AF65-F5344CB8AC3E}">
+        <p14:creationId xmlns:p14="http://schemas.microsoft.com/office/powerpoint/2010/main" val="574034218"/>
+      </p:ext>
+    </p:extLst>
+  </p:cSld>
+  <p:clrMap bg1="lt1" tx1="dk1" bg2="lt2" tx2="dk2" accent1="accent1" accent2="accent2" accent3="accent3" accent4="accent4" accent5="accent5" accent6="accent6" hlink="hlink" folHlink="folHlink"/>
+  <p:notesStyle>
+    <a:lvl1pPr marL="0" algn="l" defTabSz="914400" rtl="0" eaLnBrk="1" latinLnBrk="0" hangingPunct="1">
+      <a:defRPr sz="1200" kern="1200">
+        <a:solidFill>
+          <a:schemeClr val="tx1"/>
+        </a:solidFill>
+        <a:latin typeface="+mn-lt"/>
+        <a:ea typeface="+mn-ea"/>
+        <a:cs typeface="+mn-cs"/>
+      </a:defRPr>
+    </a:lvl1pPr>
+    <a:lvl2pPr marL="457200" algn="l" defTabSz="914400" rtl="0" eaLnBrk="1" latinLnBrk="0" hangingPunct="1">
+      <a:defRPr sz="1200" kern="1200">
+        <a:solidFill>
+          <a:schemeClr val="tx1"/>
+        </a:solidFill>
+        <a:latin typeface="+mn-lt"/>
+        <a:ea typeface="+mn-ea"/>
+        <a:cs typeface="+mn-cs"/>
+      </a:defRPr>
+    </a:lvl2pPr>
+    <a:lvl3pPr marL="914400" algn="l" defTabSz="914400" rtl="0" eaLnBrk="1" latinLnBrk="0" hangingPunct="1">
+      <a:defRPr sz="1200" kern="1200">
+        <a:solidFill>
+          <a:schemeClr val="tx1"/>
+        </a:solidFill>
+        <a:latin typeface="+mn-lt"/>
+        <a:ea typeface="+mn-ea"/>
+        <a:cs typeface="+mn-cs"/>
+      </a:defRPr>
+    </a:lvl3pPr>
+    <a:lvl4pPr marL="1371600" algn="l" defTabSz="914400" rtl="0" eaLnBrk="1" latinLnBrk="0" hangingPunct="1">
+      <a:defRPr sz="1200" kern="1200">
+        <a:solidFill>
+          <a:schemeClr val="tx1"/>
+        </a:solidFill>
+        <a:latin typeface="+mn-lt"/>
+        <a:ea typeface="+mn-ea"/>
+        <a:cs typeface="+mn-cs"/>
+      </a:defRPr>
+    </a:lvl4pPr>
+    <a:lvl5pPr marL="1828800" algn="l" defTabSz="914400" rtl="0" eaLnBrk="1" latinLnBrk="0" hangingPunct="1">
+      <a:defRPr sz="1200" kern="1200">
+        <a:solidFill>
+          <a:schemeClr val="tx1"/>
+        </a:solidFill>
+        <a:latin typeface="+mn-lt"/>
+        <a:ea typeface="+mn-ea"/>
+        <a:cs typeface="+mn-cs"/>
+      </a:defRPr>
+    </a:lvl5pPr>
+    <a:lvl6pPr marL="2286000" algn="l" defTabSz="914400" rtl="0" eaLnBrk="1" latinLnBrk="0" hangingPunct="1">
+      <a:defRPr sz="1200" kern="1200">
+        <a:solidFill>
+          <a:schemeClr val="tx1"/>
+        </a:solidFill>
+        <a:latin typeface="+mn-lt"/>
+        <a:ea typeface="+mn-ea"/>
+        <a:cs typeface="+mn-cs"/>
+      </a:defRPr>
+    </a:lvl6pPr>
+    <a:lvl7pPr marL="2743200" algn="l" defTabSz="914400" rtl="0" eaLnBrk="1" latinLnBrk="0" hangingPunct="1">
+      <a:defRPr sz="1200" kern="1200">
+        <a:solidFill>
+          <a:schemeClr val="tx1"/>
+        </a:solidFill>
+        <a:latin typeface="+mn-lt"/>
+        <a:ea typeface="+mn-ea"/>
+        <a:cs typeface="+mn-cs"/>
+      </a:defRPr>
+    </a:lvl7pPr>
+    <a:lvl8pPr marL="3200400" algn="l" defTabSz="914400" rtl="0" eaLnBrk="1" latinLnBrk="0" hangingPunct="1">
+      <a:defRPr sz="1200" kern="1200">
+        <a:solidFill>
+          <a:schemeClr val="tx1"/>
+        </a:solidFill>
+        <a:latin typeface="+mn-lt"/>
+        <a:ea typeface="+mn-ea"/>
+        <a:cs typeface="+mn-cs"/>
+      </a:defRPr>
+    </a:lvl8pPr>
+    <a:lvl9pPr marL="3657600" algn="l" defTabSz="914400" rtl="0" eaLnBrk="1" latinLnBrk="0" hangingPunct="1">
+      <a:defRPr sz="1200" kern="1200">
+        <a:solidFill>
+          <a:schemeClr val="tx1"/>
+        </a:solidFill>
+        <a:latin typeface="+mn-lt"/>
+        <a:ea typeface="+mn-ea"/>
+        <a:cs typeface="+mn-cs"/>
+      </a:defRPr>
+    </a:lvl9pPr>
+  </p:notesStyle>
+</p:notesMaster>
+</file>
+
+<file path=ppt/notesSlides/notesSlide1.xml><?xml version="1.0" encoding="utf-8"?>
+<p:notes xmlns:a="http://schemas.openxmlformats.org/drawingml/2006/main" xmlns:r="http://schemas.openxmlformats.org/officeDocument/2006/relationships" xmlns:p="http://schemas.openxmlformats.org/presentationml/2006/main">
+  <p:cSld>
+    <p:spTree>
+      <p:nvGrpSpPr>
+        <p:cNvPr id="1" name=""/>
+        <p:cNvGrpSpPr/>
+        <p:nvPr/>
+      </p:nvGrpSpPr>
+      <p:grpSpPr>
+        <a:xfrm>
+          <a:off x="0" y="0"/>
+          <a:ext cx="0" cy="0"/>
+          <a:chOff x="0" y="0"/>
+          <a:chExt cx="0" cy="0"/>
+        </a:xfrm>
+      </p:grpSpPr>
+      <p:sp>
+        <p:nvSpPr>
+          <p:cNvPr id="2" name="Slide Image Placeholder 1"/>
+          <p:cNvSpPr>
+            <a:spLocks noGrp="1" noRot="1" noChangeAspect="1"/>
+          </p:cNvSpPr>
+          <p:nvPr>
+            <p:ph type="sldImg"/>
+          </p:nvPr>
+        </p:nvSpPr>
+        <p:spPr/>
+      </p:sp>
+      <p:sp>
+        <p:nvSpPr>
+          <p:cNvPr id="3" name="Notes Placeholder 2"/>
+          <p:cNvSpPr>
+            <a:spLocks noGrp="1"/>
+          </p:cNvSpPr>
+          <p:nvPr>
+            <p:ph type="body" idx="1"/>
+          </p:nvPr>
+        </p:nvSpPr>
+        <p:spPr/>
+        <p:txBody>
+          <a:bodyPr/>
+          <a:lstStyle/>
+          <a:p>
+            <a:endParaRPr lang="en-US" dirty="0"/>
+          </a:p>
+        </p:txBody>
+      </p:sp>
+      <p:sp>
+        <p:nvSpPr>
+          <p:cNvPr id="4" name="Slide Number Placeholder 3"/>
+          <p:cNvSpPr>
+            <a:spLocks noGrp="1"/>
+          </p:cNvSpPr>
+          <p:nvPr>
+            <p:ph type="sldNum" sz="quarter" idx="5"/>
+          </p:nvPr>
+        </p:nvSpPr>
+        <p:spPr/>
+        <p:txBody>
+          <a:bodyPr/>
+          <a:lstStyle/>
+          <a:p>
+            <a:fld id="{1127CA1F-3922-1A46-A15D-7D42C9BA2461}" type="slidenum">
+              <a:rPr lang="en-US" smtClean="0"/>
+              <a:t>1</a:t>
+            </a:fld>
+            <a:endParaRPr lang="en-US"/>
+          </a:p>
+        </p:txBody>
+      </p:sp>
+    </p:spTree>
+    <p:extLst>
+      <p:ext uri="{BB962C8B-B14F-4D97-AF65-F5344CB8AC3E}">
+        <p14:creationId xmlns:p14="http://schemas.microsoft.com/office/powerpoint/2010/main" val="805438847"/>
+      </p:ext>
+    </p:extLst>
+  </p:cSld>
+  <p:clrMapOvr>
+    <a:masterClrMapping/>
+  </p:clrMapOvr>
+</p:notes>
+</file>
+
 <file path=ppt/slideLayouts/slideLayout1.xml><?xml version="1.0" encoding="utf-8"?>
 <p:sldLayout xmlns:a="http://schemas.openxmlformats.org/drawingml/2006/main" xmlns:r="http://schemas.openxmlformats.org/officeDocument/2006/relationships" xmlns:p="http://schemas.openxmlformats.org/presentationml/2006/main" type="title" preserve="1">
   <p:cSld name="Title Slide">
@@ -243,7 +679,7 @@
           <a:p>
             <a:fld id="{A30F3CC1-340D-D04D-B54B-4F427A71BCC2}" type="datetimeFigureOut">
               <a:rPr lang="en-US" smtClean="0"/>
-              <a:t>7/18/24</a:t>
+              <a:t>7/21/24</a:t>
             </a:fld>
             <a:endParaRPr lang="en-US"/>
           </a:p>
@@ -413,7 +849,7 @@
           <a:p>
             <a:fld id="{A30F3CC1-340D-D04D-B54B-4F427A71BCC2}" type="datetimeFigureOut">
               <a:rPr lang="en-US" smtClean="0"/>
-              <a:t>7/18/24</a:t>
+              <a:t>7/21/24</a:t>
             </a:fld>
             <a:endParaRPr lang="en-US"/>
           </a:p>
@@ -593,7 +1029,7 @@
           <a:p>
             <a:fld id="{A30F3CC1-340D-D04D-B54B-4F427A71BCC2}" type="datetimeFigureOut">
               <a:rPr lang="en-US" smtClean="0"/>
-              <a:t>7/18/24</a:t>
+              <a:t>7/21/24</a:t>
             </a:fld>
             <a:endParaRPr lang="en-US"/>
           </a:p>
@@ -763,7 +1199,7 @@
           <a:p>
             <a:fld id="{A30F3CC1-340D-D04D-B54B-4F427A71BCC2}" type="datetimeFigureOut">
               <a:rPr lang="en-US" smtClean="0"/>
-              <a:t>7/18/24</a:t>
+              <a:t>7/21/24</a:t>
             </a:fld>
             <a:endParaRPr lang="en-US"/>
           </a:p>
@@ -1007,7 +1443,7 @@
           <a:p>
             <a:fld id="{A30F3CC1-340D-D04D-B54B-4F427A71BCC2}" type="datetimeFigureOut">
               <a:rPr lang="en-US" smtClean="0"/>
-              <a:t>7/18/24</a:t>
+              <a:t>7/21/24</a:t>
             </a:fld>
             <a:endParaRPr lang="en-US"/>
           </a:p>
@@ -1239,7 +1675,7 @@
           <a:p>
             <a:fld id="{A30F3CC1-340D-D04D-B54B-4F427A71BCC2}" type="datetimeFigureOut">
               <a:rPr lang="en-US" smtClean="0"/>
-              <a:t>7/18/24</a:t>
+              <a:t>7/21/24</a:t>
             </a:fld>
             <a:endParaRPr lang="en-US"/>
           </a:p>
@@ -1606,7 +2042,7 @@
           <a:p>
             <a:fld id="{A30F3CC1-340D-D04D-B54B-4F427A71BCC2}" type="datetimeFigureOut">
               <a:rPr lang="en-US" smtClean="0"/>
-              <a:t>7/18/24</a:t>
+              <a:t>7/21/24</a:t>
             </a:fld>
             <a:endParaRPr lang="en-US"/>
           </a:p>
@@ -1724,7 +2160,7 @@
           <a:p>
             <a:fld id="{A30F3CC1-340D-D04D-B54B-4F427A71BCC2}" type="datetimeFigureOut">
               <a:rPr lang="en-US" smtClean="0"/>
-              <a:t>7/18/24</a:t>
+              <a:t>7/21/24</a:t>
             </a:fld>
             <a:endParaRPr lang="en-US"/>
           </a:p>
@@ -1819,7 +2255,7 @@
           <a:p>
             <a:fld id="{A30F3CC1-340D-D04D-B54B-4F427A71BCC2}" type="datetimeFigureOut">
               <a:rPr lang="en-US" smtClean="0"/>
-              <a:t>7/18/24</a:t>
+              <a:t>7/21/24</a:t>
             </a:fld>
             <a:endParaRPr lang="en-US"/>
           </a:p>
@@ -2096,7 +2532,7 @@
           <a:p>
             <a:fld id="{A30F3CC1-340D-D04D-B54B-4F427A71BCC2}" type="datetimeFigureOut">
               <a:rPr lang="en-US" smtClean="0"/>
-              <a:t>7/18/24</a:t>
+              <a:t>7/21/24</a:t>
             </a:fld>
             <a:endParaRPr lang="en-US"/>
           </a:p>
@@ -2353,7 +2789,7 @@
           <a:p>
             <a:fld id="{A30F3CC1-340D-D04D-B54B-4F427A71BCC2}" type="datetimeFigureOut">
               <a:rPr lang="en-US" smtClean="0"/>
-              <a:t>7/18/24</a:t>
+              <a:t>7/21/24</a:t>
             </a:fld>
             <a:endParaRPr lang="en-US"/>
           </a:p>
@@ -2566,7 +3002,7 @@
           <a:p>
             <a:fld id="{A30F3CC1-340D-D04D-B54B-4F427A71BCC2}" type="datetimeFigureOut">
               <a:rPr lang="en-US" smtClean="0"/>
-              <a:t>7/18/24</a:t>
+              <a:t>7/21/24</a:t>
             </a:fld>
             <a:endParaRPr lang="en-US"/>
           </a:p>
@@ -3044,8 +3480,8 @@
           </a:p>
         </p:txBody>
       </p:sp>
-      <mc:AlternateContent xmlns:mc="http://schemas.openxmlformats.org/markup-compatibility/2006" xmlns:a14="http://schemas.microsoft.com/office/drawing/2010/main">
-        <mc:Choice Requires="a14">
+      <mc:AlternateContent xmlns:mc="http://schemas.openxmlformats.org/markup-compatibility/2006">
+        <mc:Choice xmlns:a14="http://schemas.microsoft.com/office/drawing/2010/main" Requires="a14">
           <p:sp>
             <p:nvSpPr>
               <p:cNvPr id="4" name="TextBox 3">
@@ -3060,8 +3496,8 @@
             </p:nvSpPr>
             <p:spPr>
               <a:xfrm>
-                <a:off x="1828800" y="5325035"/>
-                <a:ext cx="12425082" cy="6463308"/>
+                <a:off x="1754372" y="4984711"/>
+                <a:ext cx="12425082" cy="7571303"/>
               </a:xfrm>
               <a:prstGeom prst="rect">
                 <a:avLst/>
@@ -3076,7 +3512,7 @@
               <a:p>
                 <a:r>
                   <a:rPr lang="en-US" dirty="0"/>
-                  <a:t>        Forsterite is a very important mineral to study because it is expected to be a major component in the mantles of large rocky exoplanets and the main component of the Earth’s upper mantle. It is also very abundant in space, found in meteorites, comets, pre-solar grains, planetary surfaces, and accretion disks around young stars. On Earth, it may play a role in deep earthquake generation, and its phase transitions are the primary cause of seismic discontinuities at 410, 520, and 600 km depths. This experiment looks into the high-pressure melt of forsterite and determines if incongruent melting occurs. Incongruent melting is when a solid substance partially melts into a chemically different liquid and solid. For example, in forsterite, incongruent melting caused by high pressures should produce magnesium oxide crystals. </a:t>
+                  <a:t>        Forsterite is a very important mineral to study in planetary science because it is the main component of the Earth’s upper mantle and expected to be a major component in the mantles of large rocky exoplanets. It is also very abundant in space, found in meteorites, comets, pre-solar grains, planetary surfaces, and accretion disks around young stars. On Earth, it may play a role in deep earthquake generation because the phase transitions of forsterite are the primary cause of seismic discontinuities at 410, 520, and 600 km depths. The phase transitions of forsterite under extreme conditions provides valuable insight into the formation, evolution, and habitability of rocky exoplanets. A planet’s thermal evolution, geochemistry, and magnetic field are all influenced by the freezing/solidification of its early magma ocean phase, where melting/crystallization is a very important process. Melting also plays a role in creating and shaping convection currents in interior magma oceans, which influence plate tectonics and magnetosphere production, factors essential to creating surface conditions that can support life. This experiment studies the high-pressure melt of forsterite to determine when incongruent melting occurs. Incongruent melting is when a solid substance partially melts into a chemically different liquid and solid, because the substance chemically decomposed and one of the products of this reaction re-crystalized. For example, in forsterite, incongruent melting caused by high pressures should produce magnesium oxide crystals. </a:t>
                 </a:r>
                 <a14:m>
                   <m:oMath xmlns:m="http://schemas.openxmlformats.org/officeDocument/2006/math">
@@ -3193,35 +3629,13 @@
                 </a14:m>
                 <a:r>
                   <a:rPr lang="en-US" dirty="0"/>
-                  <a:t> (solid). Knowing if incongruent melting occurs and when melting starts is very important in determining the habitability of extrasolar planets. A planet’s thermal evolution, geochemistry, and magnetic field are all influenced by the freezing/solidification of magma oceans, in which melting is a very important process. Melting also plays a role on convection currents in interior magma oceans, which influence plate tectonics and magnetosphere production, which are both essential for surface conditions that can support life. Results from this experiment can be used to add to and verify various theoretical models such as convection in the Earth’s mantle, magma oceans, extrasolar planet habitability, and collisions of terrestrial planets. </a:t>
+                  <a:t> (solid). Results from this experiment can be used to add to and verify various theoretical models such as convection in the Earth’s mantle, magma oceans, extrasolar planet habitability, and collisions of terrestrial planets. </a:t>
                 </a:r>
-              </a:p>
-              <a:p>
-                <a:endParaRPr lang="en-US" dirty="0"/>
               </a:p>
               <a:p>
                 <a:r>
                   <a:rPr lang="en-US" dirty="0"/>
-                  <a:t>Might need to redo below because it might be about confirming which pressure range is right, Newman’s dissertation or the 2016 study because they had drastically different pressure ranges, </a:t>
-                </a:r>
-                <a:r>
-                  <a:rPr lang="en-US" dirty="0" err="1"/>
-                  <a:t>Newmans</a:t>
-                </a:r>
-                <a:r>
-                  <a:rPr lang="en-US" dirty="0"/>
-                  <a:t> from 150-195 </a:t>
-                </a:r>
-                <a:r>
-                  <a:rPr lang="en-US" dirty="0" err="1"/>
-                  <a:t>GPa</a:t>
-                </a:r>
-                <a:endParaRPr lang="en-US" dirty="0"/>
-              </a:p>
-              <a:p>
-                <a:r>
-                  <a:rPr lang="en-US" dirty="0"/>
-                  <a:t>***        There have been many shock wave compression experiments on forsterite, but none of them has confirmed the existence of the theoretically predicted incongruent melt of forsterite. A previous study (</a:t>
+                  <a:t>        The extreme pressure conditions needed in these studies are generated using laser produced shock waves. There have been many laser shock wave compression experiments on forsterite, but evidence that might confirm the incongruent melt of forsterite has only been found in two studies, </a:t>
                 </a:r>
                 <a:r>
                   <a:rPr lang="en-US" dirty="0" err="1"/>
@@ -3229,7 +3643,15 @@
                 </a:r>
                 <a:r>
                   <a:rPr lang="en-US" dirty="0"/>
-                  <a:t>, 2016) which reports the results of shock compression experiments that go above 250 </a:t>
+                  <a:t> et al. (2016) and Newman (2018). However, the pressure range where this occurs is currently inconclusive. A previous study (</a:t>
+                </a:r>
+                <a:r>
+                  <a:rPr lang="en-US" dirty="0" err="1"/>
+                  <a:t>Sekine</a:t>
+                </a:r>
+                <a:r>
+                  <a:rPr lang="en-US" dirty="0"/>
+                  <a:t>, 2016) reports the shock compression of forsterite above 250 </a:t>
                 </a:r>
                 <a:r>
                   <a:rPr lang="en-US" dirty="0" err="1"/>
@@ -3237,7 +3659,7 @@
                 </a:r>
                 <a:r>
                   <a:rPr lang="en-US" dirty="0"/>
-                  <a:t>. This study found slope changes in the </a:t>
+                  <a:t> by measuring the density of the sample. Slope changes in the </a:t>
                 </a:r>
                 <a:r>
                   <a:rPr lang="en-US" dirty="0" err="1"/>
@@ -3245,23 +3667,7 @@
                 </a:r>
                 <a:r>
                   <a:rPr lang="en-US" dirty="0"/>
-                  <a:t>, which may be attributed to incongruent melting at 271 to 285 </a:t>
-                </a:r>
-                <a:r>
-                  <a:rPr lang="en-US" dirty="0" err="1"/>
-                  <a:t>GPa</a:t>
-                </a:r>
-                <a:r>
-                  <a:rPr lang="en-US" dirty="0"/>
-                  <a:t>, MgO B2 phase transition at 285 to 344 </a:t>
-                </a:r>
-                <a:r>
-                  <a:rPr lang="en-US" dirty="0" err="1"/>
-                  <a:t>GPa</a:t>
-                </a:r>
-                <a:r>
-                  <a:rPr lang="en-US" dirty="0"/>
-                  <a:t>, and remelting above 470 </a:t>
+                  <a:t> were detected, which may be attributed to incongruent melting of forsterite at 271 to 285 </a:t>
                 </a:r>
                 <a:r>
                   <a:rPr lang="en-US" dirty="0" err="1"/>
@@ -3293,13 +3699,29 @@
                 </a:r>
                 <a:r>
                   <a:rPr lang="en-US" dirty="0"/>
-                  <a:t> et al. (2016) is too high and should be further investigated in later experiments using X-ray diffraction.</a:t>
+                  <a:t> et al. (2016) is too high and should be further investigated in later experiments using X-ray diffraction, which gives a more accurate representation of the chemical composition of the sample. Lastly, a dissertation (Newman, 2018) used X-ray diffraction and found evidence that the incongruent melting of forsterite occurs from 150 to 195 </a:t>
+                </a:r>
+                <a:r>
+                  <a:rPr lang="en-US" dirty="0" err="1"/>
+                  <a:t>GPa</a:t>
+                </a:r>
+                <a:r>
+                  <a:rPr lang="en-US" dirty="0"/>
+                  <a:t>. This current experiment attempts to investigate the pressure range in which incongruent melting of forsterite occurs in laser compression experiments by conducting experiments at 150 and 260 </a:t>
+                </a:r>
+                <a:r>
+                  <a:rPr lang="en-US" dirty="0" err="1"/>
+                  <a:t>GPa</a:t>
+                </a:r>
+                <a:r>
+                  <a:rPr lang="en-US" dirty="0"/>
+                  <a:t> while using X-ray diffraction.</a:t>
                 </a:r>
               </a:p>
             </p:txBody>
           </p:sp>
         </mc:Choice>
-        <mc:Fallback xmlns="">
+        <mc:Fallback>
           <p:sp>
             <p:nvSpPr>
               <p:cNvPr id="4" name="TextBox 3">
@@ -3316,16 +3738,16 @@
             </p:nvSpPr>
             <p:spPr>
               <a:xfrm>
-                <a:off x="1828800" y="5325035"/>
-                <a:ext cx="12425082" cy="6463308"/>
+                <a:off x="1754372" y="4984711"/>
+                <a:ext cx="12425082" cy="7571303"/>
               </a:xfrm>
               <a:prstGeom prst="rect">
                 <a:avLst/>
               </a:prstGeom>
               <a:blipFill>
-                <a:blip r:embed="rId2"/>
+                <a:blip r:embed="rId3"/>
                 <a:stretch>
-                  <a:fillRect l="-409" t="-392" r="-102" b="-588"/>
+                  <a:fillRect l="-511" t="-335" r="-715" b="-335"/>
                 </a:stretch>
               </a:blipFill>
             </p:spPr>
@@ -3360,8 +3782,8 @@
             </p:nvSpPr>
             <p:spPr>
               <a:xfrm>
-                <a:off x="1828800" y="12002017"/>
-                <a:ext cx="11958918" cy="4801314"/>
+                <a:off x="1392865" y="12618705"/>
+                <a:ext cx="11958918" cy="5355312"/>
               </a:xfrm>
               <a:prstGeom prst="rect">
                 <a:avLst/>
@@ -3376,7 +3798,7 @@
               <a:p>
                 <a:r>
                   <a:rPr lang="en-US" dirty="0"/>
-                  <a:t> The shock wave compression on the forsterite was achieved using the Omega-EP laser from the Laboratory for Laser Energetics. The sample consisted of a 150 </a:t>
+                  <a:t>        The shock wave compression on the forsterite was achieved using the Omega-EP laser from the Laboratory for Laser Energetics. The sample consisted of a 150 </a:t>
                 </a:r>
                 <a14:m>
                   <m:oMath xmlns:m="http://schemas.openxmlformats.org/officeDocument/2006/math">
@@ -3450,29 +3872,23 @@
                 </a:r>
                 <a:r>
                   <a:rPr lang="en-US" dirty="0"/>
-                  <a:t>). As the laser hits the sample, the ablator expands backwards, sending an even shock wave through the sample. At the same time, x-rays from a laser generated Cu plasma are also sent into the sample. This data is collected using PXRDIP, or Powder X-Ray Diffraction Image Plates, which is a box of image plates that are extremely sensitive to x-rays. The x-rays are diffracted according to the crystal structure of the sample, and these diffracted x-rays are picked up by the IP (image plates). The sample is held by a Ta pinhole, and along with focusing the x-rays onto the sample, the pinhole also provides a way to align the data properly, as the ways Ta diffracts are well known and well measured. Transformation is applied to pictures of these plates to provide a polar view of the data. After integrating along the azimuthal angle, diffraction peaks can be measured and found. Depending on the substance, diffraction peaks can be in dots or lines. These peaks are then translated into d-spacing, which is the inter-atomic spacing in the lattice. Each material, in each different crystal orientation, gives off a unique d-spacing value. </a:t>
-                </a:r>
-              </a:p>
-              <a:p>
-                <a:r>
-                  <a:rPr lang="en-US" dirty="0"/>
-                  <a:t>        Due to the fact that the sample is in a powder and is not a single-crystal sample, all possible orientations must be considered in a very tedious process. Crystal orientations are always in the form [</a:t>
+                  <a:t>). The window material is used to determine shock wave velocity, using the VISAR measurements. As the laser hits the sample, the ablator expands backwards, sending an even shock wave through the sample and achieving the desired experimental pressure. At the same time, x-rays from a laser generated Cu plasma are also sent into the sample. This data is collected using PXRDIP, or Powder X-Ray Diffraction Image Plates, which is a box of image plates that are extremely sensitive to x-rays. The x-rays are diffracted according to the crystal structure of the sample, and these diffracted x-rays are picked up by the IP (image plates). The sample is held by a Ta pinhole, which is used to focus the x-rays onto the sample, and provide a way to align the data properly. The raw diffraction data from the image plates is de-warped into a polar view of the data. The diffraction lines of Ta, which are well measured and documented, are used to adjust and align the de-warped data correctly. After integrating along the azimuthal angle, diffraction peaks can be measured and found. Depending on the substance, diffraction peaks can be in dots or lines. These peaks are then translated into d-spacing, which is inter-atomic spacing in the lattice. Each material, in each different crystal orientation, can be identified by its unique d-spacing value. Next, all the possible materials and their most likely crystal orientations must be identified. Due to the pressure range of this experiment, the possible materials that can be observed are forsterite, forsterite III (shown to be found in shock compression experiments (Kim, 2020)), </a:t>
                 </a:r>
                 <a:r>
                   <a:rPr lang="en-US" dirty="0" err="1"/>
-                  <a:t>h,k,l</a:t>
+                  <a:t>LiF</a:t>
                 </a:r>
                 <a:r>
                   <a:rPr lang="en-US" dirty="0"/>
-                  <a:t>], where h, k and l are all integers from 0 to X(not sure), inclusive. Python code was developed to use least squared regression to solve for these 3 variables. Using the pressure-density </a:t>
+                  <a:t> B1, </a:t>
                 </a:r>
                 <a:r>
                   <a:rPr lang="en-US" dirty="0" err="1"/>
-                  <a:t>Hugoniot</a:t>
+                  <a:t>LiF</a:t>
                 </a:r>
                 <a:r>
                   <a:rPr lang="en-US" dirty="0"/>
-                  <a:t> of the material, the density and therefore volume can be found. Then, all the d-spacing values are plugged into the equation to try and find a match with the crystal orientation.</a:t>
+                  <a:t> B2 (theoretically predicted, not yet found in situ shock compression experiments), and MgO B1. Using the unit cell parameters of these materials, the most likely crystal orientations can be mathematically predicted. An expected d-spacing graph can then be made for each material and compared to all the d-spacings found in the experiment to identify the diffraction peaks found.</a:t>
                 </a:r>
               </a:p>
             </p:txBody>
@@ -3495,16 +3911,16 @@
             </p:nvSpPr>
             <p:spPr>
               <a:xfrm>
-                <a:off x="1828800" y="12002017"/>
-                <a:ext cx="11958918" cy="4801314"/>
+                <a:off x="1392865" y="12618705"/>
+                <a:ext cx="11958918" cy="5355312"/>
               </a:xfrm>
               <a:prstGeom prst="rect">
                 <a:avLst/>
               </a:prstGeom>
               <a:blipFill>
-                <a:blip r:embed="rId3"/>
+                <a:blip r:embed="rId4"/>
                 <a:stretch>
-                  <a:fillRect l="-425" t="-794" r="-425" b="-1058"/>
+                  <a:fillRect l="-424" t="-473" r="-636" b="-946"/>
                 </a:stretch>
               </a:blipFill>
             </p:spPr>
@@ -3523,6 +3939,103 @@
           </p:sp>
         </mc:Fallback>
       </mc:AlternateContent>
+      <p:sp>
+        <p:nvSpPr>
+          <p:cNvPr id="5" name="TextBox 4">
+            <a:extLst>
+              <a:ext uri="{FF2B5EF4-FFF2-40B4-BE49-F238E27FC236}">
+                <a16:creationId xmlns:a16="http://schemas.microsoft.com/office/drawing/2014/main" id="{6DF92940-58D7-D5CC-6551-A440DA2EC413}"/>
+              </a:ext>
+            </a:extLst>
+          </p:cNvPr>
+          <p:cNvSpPr txBox="1"/>
+          <p:nvPr/>
+        </p:nvSpPr>
+        <p:spPr>
+          <a:xfrm>
+            <a:off x="1392865" y="18395728"/>
+            <a:ext cx="11958918" cy="2862322"/>
+          </a:xfrm>
+          <a:prstGeom prst="rect">
+            <a:avLst/>
+          </a:prstGeom>
+          <a:noFill/>
+        </p:spPr>
+        <p:txBody>
+          <a:bodyPr wrap="square" rtlCol="0">
+            <a:spAutoFit/>
+          </a:bodyPr>
+          <a:lstStyle/>
+          <a:p>
+            <a:r>
+              <a:rPr lang="en-US" dirty="0"/>
+              <a:t>        Forsterite shocked to 260 </a:t>
+            </a:r>
+            <a:r>
+              <a:rPr lang="en-US" dirty="0" err="1"/>
+              <a:t>GPa</a:t>
+            </a:r>
+            <a:r>
+              <a:rPr lang="en-US" dirty="0"/>
+              <a:t> showed signs of incongruent melting. A total of 7 possible diffraction points were found from analyzing the PXRDIP images. These diffraction points matched d-spacings from forsterite, forsterite III, MgO B1, and </a:t>
+            </a:r>
+            <a:r>
+              <a:rPr lang="en-US" dirty="0" err="1"/>
+              <a:t>LiF</a:t>
+            </a:r>
+            <a:r>
+              <a:rPr lang="en-US" dirty="0"/>
+              <a:t> B2. Unfortunately, the d-spacings of these materials often overlap and some of the diffraction points could belong to several different materials. Two points that could possibly be MgO points could also be </a:t>
+            </a:r>
+            <a:r>
+              <a:rPr lang="en-US" dirty="0" err="1"/>
+              <a:t>LiF</a:t>
+            </a:r>
+            <a:r>
+              <a:rPr lang="en-US" dirty="0"/>
+              <a:t> B2 or forsterite. Again, the </a:t>
+            </a:r>
+            <a:r>
+              <a:rPr lang="en-US" dirty="0" err="1"/>
+              <a:t>LiF</a:t>
+            </a:r>
+            <a:r>
+              <a:rPr lang="en-US" dirty="0"/>
+              <a:t> B2 phase has not been seen before in laser shock compression experiments, and that requires further study to confirm. The problem of many possible materials per diffraction point could be clarified by finding percent error between each experimentally found d-spacing and the predicted d-spacing for the predicted material. Additionally, when mathematically predicting what are the possible crystal orientations, some are more prevalent than others which can help determine how prominent a d-spacing point should be. This can be indicated using varying line thickness. Therefore, if a diffraction point overlaps with a prominent orientation of crystal A and a weak orientation of crystal B, that diffraction point most likely belongs to crystal A. </a:t>
+            </a:r>
+          </a:p>
+        </p:txBody>
+      </p:sp>
+      <p:pic>
+        <p:nvPicPr>
+          <p:cNvPr id="6" name="Picture 5">
+            <a:extLst>
+              <a:ext uri="{FF2B5EF4-FFF2-40B4-BE49-F238E27FC236}">
+                <a16:creationId xmlns:a16="http://schemas.microsoft.com/office/drawing/2014/main" id="{CC91128F-ACAF-E7BA-2DBA-0C5C3A61AA09}"/>
+              </a:ext>
+            </a:extLst>
+          </p:cNvPr>
+          <p:cNvPicPr>
+            <a:picLocks noChangeAspect="1"/>
+          </p:cNvPicPr>
+          <p:nvPr/>
+        </p:nvPicPr>
+        <p:blipFill>
+          <a:blip r:embed="rId5"/>
+          <a:stretch>
+            <a:fillRect/>
+          </a:stretch>
+        </p:blipFill>
+        <p:spPr>
+          <a:xfrm>
+            <a:off x="18059400" y="13762723"/>
+            <a:ext cx="7772400" cy="5392954"/>
+          </a:xfrm>
+          <a:prstGeom prst="rect">
+            <a:avLst/>
+          </a:prstGeom>
+        </p:spPr>
+      </p:pic>
     </p:spTree>
     <p:extLst>
       <p:ext uri="{BB962C8B-B14F-4D97-AF65-F5344CB8AC3E}">
@@ -3795,4 +4308,299 @@
     </a:ext>
   </a:extLst>
 </a:theme>
+</file>
+
+<file path=ppt/theme/theme2.xml><?xml version="1.0" encoding="utf-8"?>
+<a:theme xmlns:a="http://schemas.openxmlformats.org/drawingml/2006/main" name="Office Theme">
+  <a:themeElements>
+    <a:clrScheme name="Office">
+      <a:dk1>
+        <a:sysClr val="windowText" lastClr="000000"/>
+      </a:dk1>
+      <a:lt1>
+        <a:sysClr val="window" lastClr="FFFFFF"/>
+      </a:lt1>
+      <a:dk2>
+        <a:srgbClr val="44546A"/>
+      </a:dk2>
+      <a:lt2>
+        <a:srgbClr val="E7E6E6"/>
+      </a:lt2>
+      <a:accent1>
+        <a:srgbClr val="4472C4"/>
+      </a:accent1>
+      <a:accent2>
+        <a:srgbClr val="ED7D31"/>
+      </a:accent2>
+      <a:accent3>
+        <a:srgbClr val="A5A5A5"/>
+      </a:accent3>
+      <a:accent4>
+        <a:srgbClr val="FFC000"/>
+      </a:accent4>
+      <a:accent5>
+        <a:srgbClr val="5B9BD5"/>
+      </a:accent5>
+      <a:accent6>
+        <a:srgbClr val="70AD47"/>
+      </a:accent6>
+      <a:hlink>
+        <a:srgbClr val="0563C1"/>
+      </a:hlink>
+      <a:folHlink>
+        <a:srgbClr val="954F72"/>
+      </a:folHlink>
+    </a:clrScheme>
+    <a:fontScheme name="Office">
+      <a:majorFont>
+        <a:latin typeface="Calibri Light" panose="020F0302020204030204"/>
+        <a:ea typeface=""/>
+        <a:cs typeface=""/>
+        <a:font script="Jpan" typeface="游ゴシック Light"/>
+        <a:font script="Hang" typeface="맑은 고딕"/>
+        <a:font script="Hans" typeface="等线 Light"/>
+        <a:font script="Hant" typeface="新細明體"/>
+        <a:font script="Arab" typeface="Times New Roman"/>
+        <a:font script="Hebr" typeface="Times New Roman"/>
+        <a:font script="Thai" typeface="Angsana New"/>
+        <a:font script="Ethi" typeface="Nyala"/>
+        <a:font script="Beng" typeface="Vrinda"/>
+        <a:font script="Gujr" typeface="Shruti"/>
+        <a:font script="Khmr" typeface="MoolBoran"/>
+        <a:font script="Knda" typeface="Tunga"/>
+        <a:font script="Guru" typeface="Raavi"/>
+        <a:font script="Cans" typeface="Euphemia"/>
+        <a:font script="Cher" typeface="Plantagenet Cherokee"/>
+        <a:font script="Yiii" typeface="Microsoft Yi Baiti"/>
+        <a:font script="Tibt" typeface="Microsoft Himalaya"/>
+        <a:font script="Thaa" typeface="MV Boli"/>
+        <a:font script="Deva" typeface="Mangal"/>
+        <a:font script="Telu" typeface="Gautami"/>
+        <a:font script="Taml" typeface="Latha"/>
+        <a:font script="Syrc" typeface="Estrangelo Edessa"/>
+        <a:font script="Orya" typeface="Kalinga"/>
+        <a:font script="Mlym" typeface="Kartika"/>
+        <a:font script="Laoo" typeface="DokChampa"/>
+        <a:font script="Sinh" typeface="Iskoola Pota"/>
+        <a:font script="Mong" typeface="Mongolian Baiti"/>
+        <a:font script="Viet" typeface="Times New Roman"/>
+        <a:font script="Uigh" typeface="Microsoft Uighur"/>
+        <a:font script="Geor" typeface="Sylfaen"/>
+        <a:font script="Armn" typeface="Arial"/>
+        <a:font script="Bugi" typeface="Leelawadee UI"/>
+        <a:font script="Bopo" typeface="Microsoft JhengHei"/>
+        <a:font script="Java" typeface="Javanese Text"/>
+        <a:font script="Lisu" typeface="Segoe UI"/>
+        <a:font script="Mymr" typeface="Myanmar Text"/>
+        <a:font script="Nkoo" typeface="Ebrima"/>
+        <a:font script="Olck" typeface="Nirmala UI"/>
+        <a:font script="Osma" typeface="Ebrima"/>
+        <a:font script="Phag" typeface="Phagspa"/>
+        <a:font script="Syrn" typeface="Estrangelo Edessa"/>
+        <a:font script="Syrj" typeface="Estrangelo Edessa"/>
+        <a:font script="Syre" typeface="Estrangelo Edessa"/>
+        <a:font script="Sora" typeface="Nirmala UI"/>
+        <a:font script="Tale" typeface="Microsoft Tai Le"/>
+        <a:font script="Talu" typeface="Microsoft New Tai Lue"/>
+        <a:font script="Tfng" typeface="Ebrima"/>
+      </a:majorFont>
+      <a:minorFont>
+        <a:latin typeface="Calibri" panose="020F0502020204030204"/>
+        <a:ea typeface=""/>
+        <a:cs typeface=""/>
+        <a:font script="Jpan" typeface="游ゴシック"/>
+        <a:font script="Hang" typeface="맑은 고딕"/>
+        <a:font script="Hans" typeface="等线"/>
+        <a:font script="Hant" typeface="新細明體"/>
+        <a:font script="Arab" typeface="Arial"/>
+        <a:font script="Hebr" typeface="Arial"/>
+        <a:font script="Thai" typeface="Cordia New"/>
+        <a:font script="Ethi" typeface="Nyala"/>
+        <a:font script="Beng" typeface="Vrinda"/>
+        <a:font script="Gujr" typeface="Shruti"/>
+        <a:font script="Khmr" typeface="DaunPenh"/>
+        <a:font script="Knda" typeface="Tunga"/>
+        <a:font script="Guru" typeface="Raavi"/>
+        <a:font script="Cans" typeface="Euphemia"/>
+        <a:font script="Cher" typeface="Plantagenet Cherokee"/>
+        <a:font script="Yiii" typeface="Microsoft Yi Baiti"/>
+        <a:font script="Tibt" typeface="Microsoft Himalaya"/>
+        <a:font script="Thaa" typeface="MV Boli"/>
+        <a:font script="Deva" typeface="Mangal"/>
+        <a:font script="Telu" typeface="Gautami"/>
+        <a:font script="Taml" typeface="Latha"/>
+        <a:font script="Syrc" typeface="Estrangelo Edessa"/>
+        <a:font script="Orya" typeface="Kalinga"/>
+        <a:font script="Mlym" typeface="Kartika"/>
+        <a:font script="Laoo" typeface="DokChampa"/>
+        <a:font script="Sinh" typeface="Iskoola Pota"/>
+        <a:font script="Mong" typeface="Mongolian Baiti"/>
+        <a:font script="Viet" typeface="Arial"/>
+        <a:font script="Uigh" typeface="Microsoft Uighur"/>
+        <a:font script="Geor" typeface="Sylfaen"/>
+        <a:font script="Armn" typeface="Arial"/>
+        <a:font script="Bugi" typeface="Leelawadee UI"/>
+        <a:font script="Bopo" typeface="Microsoft JhengHei"/>
+        <a:font script="Java" typeface="Javanese Text"/>
+        <a:font script="Lisu" typeface="Segoe UI"/>
+        <a:font script="Mymr" typeface="Myanmar Text"/>
+        <a:font script="Nkoo" typeface="Ebrima"/>
+        <a:font script="Olck" typeface="Nirmala UI"/>
+        <a:font script="Osma" typeface="Ebrima"/>
+        <a:font script="Phag" typeface="Phagspa"/>
+        <a:font script="Syrn" typeface="Estrangelo Edessa"/>
+        <a:font script="Syrj" typeface="Estrangelo Edessa"/>
+        <a:font script="Syre" typeface="Estrangelo Edessa"/>
+        <a:font script="Sora" typeface="Nirmala UI"/>
+        <a:font script="Tale" typeface="Microsoft Tai Le"/>
+        <a:font script="Talu" typeface="Microsoft New Tai Lue"/>
+        <a:font script="Tfng" typeface="Ebrima"/>
+      </a:minorFont>
+    </a:fontScheme>
+    <a:fmtScheme name="Office">
+      <a:fillStyleLst>
+        <a:solidFill>
+          <a:schemeClr val="phClr"/>
+        </a:solidFill>
+        <a:gradFill rotWithShape="1">
+          <a:gsLst>
+            <a:gs pos="0">
+              <a:schemeClr val="phClr">
+                <a:lumMod val="110000"/>
+                <a:satMod val="105000"/>
+                <a:tint val="67000"/>
+              </a:schemeClr>
+            </a:gs>
+            <a:gs pos="50000">
+              <a:schemeClr val="phClr">
+                <a:lumMod val="105000"/>
+                <a:satMod val="103000"/>
+                <a:tint val="73000"/>
+              </a:schemeClr>
+            </a:gs>
+            <a:gs pos="100000">
+              <a:schemeClr val="phClr">
+                <a:lumMod val="105000"/>
+                <a:satMod val="109000"/>
+                <a:tint val="81000"/>
+              </a:schemeClr>
+            </a:gs>
+          </a:gsLst>
+          <a:lin ang="5400000" scaled="0"/>
+        </a:gradFill>
+        <a:gradFill rotWithShape="1">
+          <a:gsLst>
+            <a:gs pos="0">
+              <a:schemeClr val="phClr">
+                <a:satMod val="103000"/>
+                <a:lumMod val="102000"/>
+                <a:tint val="94000"/>
+              </a:schemeClr>
+            </a:gs>
+            <a:gs pos="50000">
+              <a:schemeClr val="phClr">
+                <a:satMod val="110000"/>
+                <a:lumMod val="100000"/>
+                <a:shade val="100000"/>
+              </a:schemeClr>
+            </a:gs>
+            <a:gs pos="100000">
+              <a:schemeClr val="phClr">
+                <a:lumMod val="99000"/>
+                <a:satMod val="120000"/>
+                <a:shade val="78000"/>
+              </a:schemeClr>
+            </a:gs>
+          </a:gsLst>
+          <a:lin ang="5400000" scaled="0"/>
+        </a:gradFill>
+      </a:fillStyleLst>
+      <a:lnStyleLst>
+        <a:ln w="6350" cap="flat" cmpd="sng" algn="ctr">
+          <a:solidFill>
+            <a:schemeClr val="phClr"/>
+          </a:solidFill>
+          <a:prstDash val="solid"/>
+          <a:miter lim="800000"/>
+        </a:ln>
+        <a:ln w="12700" cap="flat" cmpd="sng" algn="ctr">
+          <a:solidFill>
+            <a:schemeClr val="phClr"/>
+          </a:solidFill>
+          <a:prstDash val="solid"/>
+          <a:miter lim="800000"/>
+        </a:ln>
+        <a:ln w="19050" cap="flat" cmpd="sng" algn="ctr">
+          <a:solidFill>
+            <a:schemeClr val="phClr"/>
+          </a:solidFill>
+          <a:prstDash val="solid"/>
+          <a:miter lim="800000"/>
+        </a:ln>
+      </a:lnStyleLst>
+      <a:effectStyleLst>
+        <a:effectStyle>
+          <a:effectLst/>
+        </a:effectStyle>
+        <a:effectStyle>
+          <a:effectLst/>
+        </a:effectStyle>
+        <a:effectStyle>
+          <a:effectLst>
+            <a:outerShdw blurRad="57150" dist="19050" dir="5400000" algn="ctr" rotWithShape="0">
+              <a:srgbClr val="000000">
+                <a:alpha val="63000"/>
+              </a:srgbClr>
+            </a:outerShdw>
+          </a:effectLst>
+        </a:effectStyle>
+      </a:effectStyleLst>
+      <a:bgFillStyleLst>
+        <a:solidFill>
+          <a:schemeClr val="phClr"/>
+        </a:solidFill>
+        <a:solidFill>
+          <a:schemeClr val="phClr">
+            <a:tint val="95000"/>
+            <a:satMod val="170000"/>
+          </a:schemeClr>
+        </a:solidFill>
+        <a:gradFill rotWithShape="1">
+          <a:gsLst>
+            <a:gs pos="0">
+              <a:schemeClr val="phClr">
+                <a:tint val="93000"/>
+                <a:satMod val="150000"/>
+                <a:shade val="98000"/>
+                <a:lumMod val="102000"/>
+              </a:schemeClr>
+            </a:gs>
+            <a:gs pos="50000">
+              <a:schemeClr val="phClr">
+                <a:tint val="98000"/>
+                <a:satMod val="130000"/>
+                <a:shade val="90000"/>
+                <a:lumMod val="103000"/>
+              </a:schemeClr>
+            </a:gs>
+            <a:gs pos="100000">
+              <a:schemeClr val="phClr">
+                <a:shade val="63000"/>
+                <a:satMod val="120000"/>
+              </a:schemeClr>
+            </a:gs>
+          </a:gsLst>
+          <a:lin ang="5400000" scaled="0"/>
+        </a:gradFill>
+      </a:bgFillStyleLst>
+    </a:fmtScheme>
+  </a:themeElements>
+  <a:objectDefaults/>
+  <a:extraClrSchemeLst/>
+  <a:extLst>
+    <a:ext uri="{05A4C25C-085E-4340-85A3-A5531E510DB2}">
+      <thm15:themeFamily xmlns:thm15="http://schemas.microsoft.com/office/thememl/2012/main" name="Office Theme" id="{62F939B6-93AF-4DB8-9C6B-D6C7DFDC589F}" vid="{4A3C46E8-61CC-4603-A589-7422A47A8E4A}"/>
+    </a:ext>
+  </a:extLst>
+</a:theme>
 </file>